--- a/발표/2DGP 3차 발표.pptx
+++ b/발표/2DGP 3차 발표.pptx
@@ -3358,11 +3358,11 @@
           <a:p>
             <a:r>
               <a:rPr lang="ko-KR" altLang="en-US" dirty="0"/>
-              <a:t>평균 진행률 </a:t>
+              <a:t>전체 진행률 </a:t>
             </a:r>
             <a:r>
               <a:rPr lang="en-US" altLang="ko-KR" dirty="0"/>
-              <a:t>: 60%</a:t>
+              <a:t>: 50%</a:t>
             </a:r>
             <a:endParaRPr lang="ko-KR" altLang="en-US" dirty="0"/>
           </a:p>
@@ -3383,7 +3383,7 @@
           <p:nvPr>
             <p:extLst>
               <p:ext uri="{D42A27DB-BD31-4B8C-83A1-F6EECF244321}">
-                <p14:modId xmlns:p14="http://schemas.microsoft.com/office/powerpoint/2010/main" val="637721829"/>
+                <p14:modId xmlns:p14="http://schemas.microsoft.com/office/powerpoint/2010/main" val="3604010175"/>
               </p:ext>
             </p:extLst>
           </p:nvPr>
@@ -3944,7 +3944,7 @@
                     <a:p>
                       <a:pPr algn="ctr" latinLnBrk="1"/>
                       <a:r>
-                        <a:rPr lang="ko-KR" altLang="en-US" sz="1200" b="1" cap="none" spc="0">
+                        <a:rPr lang="ko-KR" altLang="en-US" sz="1200" b="1" cap="none" spc="0" dirty="0">
                           <a:solidFill>
                             <a:schemeClr val="tx1"/>
                           </a:solidFill>
@@ -4965,36 +4965,12 @@
                     <a:p>
                       <a:pPr latinLnBrk="1"/>
                       <a:r>
-                        <a:rPr lang="ko-KR" altLang="en-US" sz="1200" cap="none" spc="0" dirty="0" err="1">
-                          <a:solidFill>
-                            <a:schemeClr val="tx1"/>
-                          </a:solidFill>
-                        </a:rPr>
-                        <a:t>마리오</a:t>
-                      </a:r>
-                      <a:r>
-                        <a:rPr lang="ko-KR" altLang="en-US" sz="1200" cap="none" spc="0" dirty="0">
-                          <a:solidFill>
-                            <a:schemeClr val="tx1"/>
-                          </a:solidFill>
-                        </a:rPr>
-                        <a:t> </a:t>
-                      </a:r>
-                      <a:r>
-                        <a:rPr lang="en-US" altLang="ko-KR" sz="1200" cap="none" spc="0" dirty="0">
-                          <a:solidFill>
-                            <a:schemeClr val="tx1"/>
-                          </a:solidFill>
-                        </a:rPr>
-                        <a:t>– </a:t>
-                      </a:r>
-                      <a:r>
-                        <a:rPr lang="ko-KR" altLang="en-US" sz="1200" cap="none" spc="0" dirty="0">
-                          <a:solidFill>
-                            <a:schemeClr val="tx1"/>
-                          </a:solidFill>
-                        </a:rPr>
-                        <a:t>몬스터 충돌</a:t>
+                        <a:rPr lang="ko-KR" altLang="en-US" sz="1200" cap="none" spc="0">
+                          <a:solidFill>
+                            <a:schemeClr val="tx1"/>
+                          </a:solidFill>
+                        </a:rPr>
+                        <a:t>충돌</a:t>
                       </a:r>
                       <a:r>
                         <a:rPr lang="en-US" altLang="ko-KR" sz="1200" cap="none" spc="0" dirty="0">
@@ -5802,6 +5778,12 @@
                     </a:p>
                   </a:txBody>
                   <a:tcPr marL="67757" marR="67757" marT="67757" marB="67757" anchor="ctr">
+                    <a:lnL>
+                      <a:noFill/>
+                    </a:lnL>
+                    <a:lnT>
+                      <a:noFill/>
+                    </a:lnT>
                     <a:solidFill>
                       <a:srgbClr val="F7F7F7"/>
                     </a:solidFill>
@@ -6631,6 +6613,14 @@
 <file path=ppt/slides/slide2.xml><?xml version="1.0" encoding="utf-8"?>
 <p:sld xmlns:a="http://schemas.openxmlformats.org/drawingml/2006/main" xmlns:r="http://schemas.openxmlformats.org/officeDocument/2006/relationships" xmlns:p="http://schemas.openxmlformats.org/presentationml/2006/main">
   <p:cSld>
+    <p:bg>
+      <p:bgPr>
+        <a:solidFill>
+          <a:schemeClr val="bg1"/>
+        </a:solidFill>
+        <a:effectLst/>
+      </p:bgPr>
+    </p:bg>
     <p:spTree>
       <p:nvGrpSpPr>
         <p:cNvPr id="1" name=""/>
@@ -6645,12 +6635,167 @@
           <a:chExt cx="0" cy="0"/>
         </a:xfrm>
       </p:grpSpPr>
+      <p:sp>
+        <p:nvSpPr>
+          <p:cNvPr id="8" name="Rectangle 7">
+            <a:extLst>
+              <a:ext uri="{FF2B5EF4-FFF2-40B4-BE49-F238E27FC236}">
+                <a16:creationId xmlns:a16="http://schemas.microsoft.com/office/drawing/2014/main" id="{42A4FC2C-047E-45A5-965D-8E1E3BF09BC6}"/>
+              </a:ext>
+              <a:ext uri="{C183D7F6-B498-43B3-948B-1728B52AA6E4}">
+                <adec:decorative xmlns:adec="http://schemas.microsoft.com/office/drawing/2017/decorative" val="1"/>
+              </a:ext>
+            </a:extLst>
+          </p:cNvPr>
+          <p:cNvSpPr>
+            <a:spLocks noGrp="1" noRot="1" noChangeAspect="1" noMove="1" noResize="1" noEditPoints="1" noAdjustHandles="1" noChangeArrowheads="1" noChangeShapeType="1" noTextEdit="1"/>
+          </p:cNvSpPr>
+          <p:nvPr>
+            <p:extLst>
+              <p:ext uri="{386F3935-93C4-4BCD-93E2-E3B085C9AB24}">
+                <p16:designElem xmlns:p16="http://schemas.microsoft.com/office/powerpoint/2015/main" val="1"/>
+              </p:ext>
+            </p:extLst>
+          </p:nvPr>
+        </p:nvSpPr>
+        <p:spPr bwMode="white">
+          <a:xfrm>
+            <a:off x="1524" y="0"/>
+            <a:ext cx="12188952" cy="6858000"/>
+          </a:xfrm>
+          <a:prstGeom prst="rect">
+            <a:avLst/>
+          </a:prstGeom>
+          <a:noFill/>
+          <a:ln>
+            <a:noFill/>
+          </a:ln>
+        </p:spPr>
+        <p:style>
+          <a:lnRef idx="2">
+            <a:schemeClr val="accent1">
+              <a:shade val="50000"/>
+            </a:schemeClr>
+          </a:lnRef>
+          <a:fillRef idx="1">
+            <a:schemeClr val="accent1"/>
+          </a:fillRef>
+          <a:effectRef idx="0">
+            <a:schemeClr val="accent1"/>
+          </a:effectRef>
+          <a:fontRef idx="minor">
+            <a:schemeClr val="lt1"/>
+          </a:fontRef>
+        </p:style>
+        <p:txBody>
+          <a:bodyPr rtlCol="0" anchor="ctr"/>
+          <a:lstStyle>
+            <a:defPPr>
+              <a:defRPr lang="en-US"/>
+            </a:defPPr>
+            <a:lvl1pPr marL="0" algn="l" defTabSz="914400" rtl="0" eaLnBrk="1" latinLnBrk="0" hangingPunct="1">
+              <a:defRPr sz="1800" kern="1200">
+                <a:solidFill>
+                  <a:schemeClr val="lt1"/>
+                </a:solidFill>
+                <a:latin typeface="+mn-lt"/>
+                <a:ea typeface="+mn-ea"/>
+                <a:cs typeface="+mn-cs"/>
+              </a:defRPr>
+            </a:lvl1pPr>
+            <a:lvl2pPr marL="457200" algn="l" defTabSz="914400" rtl="0" eaLnBrk="1" latinLnBrk="0" hangingPunct="1">
+              <a:defRPr sz="1800" kern="1200">
+                <a:solidFill>
+                  <a:schemeClr val="lt1"/>
+                </a:solidFill>
+                <a:latin typeface="+mn-lt"/>
+                <a:ea typeface="+mn-ea"/>
+                <a:cs typeface="+mn-cs"/>
+              </a:defRPr>
+            </a:lvl2pPr>
+            <a:lvl3pPr marL="914400" algn="l" defTabSz="914400" rtl="0" eaLnBrk="1" latinLnBrk="0" hangingPunct="1">
+              <a:defRPr sz="1800" kern="1200">
+                <a:solidFill>
+                  <a:schemeClr val="lt1"/>
+                </a:solidFill>
+                <a:latin typeface="+mn-lt"/>
+                <a:ea typeface="+mn-ea"/>
+                <a:cs typeface="+mn-cs"/>
+              </a:defRPr>
+            </a:lvl3pPr>
+            <a:lvl4pPr marL="1371600" algn="l" defTabSz="914400" rtl="0" eaLnBrk="1" latinLnBrk="0" hangingPunct="1">
+              <a:defRPr sz="1800" kern="1200">
+                <a:solidFill>
+                  <a:schemeClr val="lt1"/>
+                </a:solidFill>
+                <a:latin typeface="+mn-lt"/>
+                <a:ea typeface="+mn-ea"/>
+                <a:cs typeface="+mn-cs"/>
+              </a:defRPr>
+            </a:lvl4pPr>
+            <a:lvl5pPr marL="1828800" algn="l" defTabSz="914400" rtl="0" eaLnBrk="1" latinLnBrk="0" hangingPunct="1">
+              <a:defRPr sz="1800" kern="1200">
+                <a:solidFill>
+                  <a:schemeClr val="lt1"/>
+                </a:solidFill>
+                <a:latin typeface="+mn-lt"/>
+                <a:ea typeface="+mn-ea"/>
+                <a:cs typeface="+mn-cs"/>
+              </a:defRPr>
+            </a:lvl5pPr>
+            <a:lvl6pPr marL="2286000" algn="l" defTabSz="914400" rtl="0" eaLnBrk="1" latinLnBrk="0" hangingPunct="1">
+              <a:defRPr sz="1800" kern="1200">
+                <a:solidFill>
+                  <a:schemeClr val="lt1"/>
+                </a:solidFill>
+                <a:latin typeface="+mn-lt"/>
+                <a:ea typeface="+mn-ea"/>
+                <a:cs typeface="+mn-cs"/>
+              </a:defRPr>
+            </a:lvl6pPr>
+            <a:lvl7pPr marL="2743200" algn="l" defTabSz="914400" rtl="0" eaLnBrk="1" latinLnBrk="0" hangingPunct="1">
+              <a:defRPr sz="1800" kern="1200">
+                <a:solidFill>
+                  <a:schemeClr val="lt1"/>
+                </a:solidFill>
+                <a:latin typeface="+mn-lt"/>
+                <a:ea typeface="+mn-ea"/>
+                <a:cs typeface="+mn-cs"/>
+              </a:defRPr>
+            </a:lvl7pPr>
+            <a:lvl8pPr marL="3200400" algn="l" defTabSz="914400" rtl="0" eaLnBrk="1" latinLnBrk="0" hangingPunct="1">
+              <a:defRPr sz="1800" kern="1200">
+                <a:solidFill>
+                  <a:schemeClr val="lt1"/>
+                </a:solidFill>
+                <a:latin typeface="+mn-lt"/>
+                <a:ea typeface="+mn-ea"/>
+                <a:cs typeface="+mn-cs"/>
+              </a:defRPr>
+            </a:lvl8pPr>
+            <a:lvl9pPr marL="3657600" algn="l" defTabSz="914400" rtl="0" eaLnBrk="1" latinLnBrk="0" hangingPunct="1">
+              <a:defRPr sz="1800" kern="1200">
+                <a:solidFill>
+                  <a:schemeClr val="lt1"/>
+                </a:solidFill>
+                <a:latin typeface="+mn-lt"/>
+                <a:ea typeface="+mn-ea"/>
+                <a:cs typeface="+mn-cs"/>
+              </a:defRPr>
+            </a:lvl9pPr>
+          </a:lstStyle>
+          <a:p>
+            <a:pPr algn="ctr"/>
+            <a:endParaRPr lang="en-US"/>
+          </a:p>
+        </p:txBody>
+      </p:sp>
       <p:pic>
         <p:nvPicPr>
-          <p:cNvPr id="5" name="그림 4">
+          <p:cNvPr id="3" name="그림 2">
             <a:extLst>
               <a:ext uri="{FF2B5EF4-FFF2-40B4-BE49-F238E27FC236}">
-                <a16:creationId xmlns:a16="http://schemas.microsoft.com/office/drawing/2014/main" id="{0A90F48A-DCB2-4FEF-9165-535CEABF64F9}"/>
+                <a16:creationId xmlns:a16="http://schemas.microsoft.com/office/drawing/2014/main" id="{BA9F8146-9FF9-40D7-9DF0-AA3E5D991735}"/>
               </a:ext>
             </a:extLst>
           </p:cNvPr>
@@ -6659,16 +6804,15 @@
           </p:cNvPicPr>
           <p:nvPr/>
         </p:nvPicPr>
-        <p:blipFill>
+        <p:blipFill rotWithShape="1">
           <a:blip r:embed="rId2"/>
-          <a:stretch>
-            <a:fillRect/>
-          </a:stretch>
+          <a:srcRect b="3864"/>
+          <a:stretch/>
         </p:blipFill>
         <p:spPr>
           <a:xfrm>
-            <a:off x="-54429" y="0"/>
-            <a:ext cx="12246429" cy="6858000"/>
+            <a:off x="20" y="1282"/>
+            <a:ext cx="12191980" cy="6856718"/>
           </a:xfrm>
           <a:prstGeom prst="rect">
             <a:avLst/>
@@ -6748,14 +6892,14 @@
           <p:nvPr>
             <p:extLst>
               <p:ext uri="{D42A27DB-BD31-4B8C-83A1-F6EECF244321}">
-                <p14:modId xmlns:p14="http://schemas.microsoft.com/office/powerpoint/2010/main" val="166183631"/>
+                <p14:modId xmlns:p14="http://schemas.microsoft.com/office/powerpoint/2010/main" val="4000601060"/>
               </p:ext>
             </p:extLst>
           </p:nvPr>
         </p:nvGraphicFramePr>
         <p:xfrm>
-          <a:off x="1333500" y="1281893"/>
-          <a:ext cx="9296400" cy="5468821"/>
+          <a:off x="1486075" y="1636336"/>
+          <a:ext cx="9219849" cy="4194015"/>
         </p:xfrm>
         <a:graphic>
           <a:graphicData uri="http://schemas.openxmlformats.org/drawingml/2006/table">
@@ -6767,28 +6911,28 @@
                 <a:tableStyleId>{5C22544A-7EE6-4342-B048-85BDC9FD1C3A}</a:tableStyleId>
               </a:tblPr>
               <a:tblGrid>
-                <a:gridCol w="1205934">
+                <a:gridCol w="1196004">
                   <a:extLst>
                     <a:ext uri="{9D8B030D-6E8A-4147-A177-3AD203B41FA5}">
                       <a16:colId xmlns:a16="http://schemas.microsoft.com/office/drawing/2014/main" val="2346371621"/>
                     </a:ext>
                   </a:extLst>
                 </a:gridCol>
-                <a:gridCol w="1012175">
+                <a:gridCol w="1003840">
                   <a:extLst>
                     <a:ext uri="{9D8B030D-6E8A-4147-A177-3AD203B41FA5}">
                       <a16:colId xmlns:a16="http://schemas.microsoft.com/office/drawing/2014/main" val="1677314022"/>
                     </a:ext>
                   </a:extLst>
                 </a:gridCol>
-                <a:gridCol w="5425265">
+                <a:gridCol w="5380591">
                   <a:extLst>
                     <a:ext uri="{9D8B030D-6E8A-4147-A177-3AD203B41FA5}">
                       <a16:colId xmlns:a16="http://schemas.microsoft.com/office/drawing/2014/main" val="491323643"/>
                     </a:ext>
                   </a:extLst>
                 </a:gridCol>
-                <a:gridCol w="1653026">
+                <a:gridCol w="1639414">
                   <a:extLst>
                     <a:ext uri="{9D8B030D-6E8A-4147-A177-3AD203B41FA5}">
                       <a16:colId xmlns:a16="http://schemas.microsoft.com/office/drawing/2014/main" val="76863044"/>
@@ -6796,7 +6940,7 @@
                   </a:extLst>
                 </a:gridCol>
               </a:tblGrid>
-              <a:tr h="358694">
+              <a:tr h="433880">
                 <a:tc>
                   <a:txBody>
                     <a:bodyPr/>
@@ -6924,8 +7068,8 @@
                   </a:ext>
                 </a:extLst>
               </a:tr>
-              <a:tr h="307908">
-                <a:tc rowSpan="2">
+              <a:tr h="372448">
+                <a:tc>
                   <a:txBody>
                     <a:bodyPr/>
                     <a:lstStyle/>
@@ -6978,7 +7122,7 @@
                     <a:p>
                       <a:pPr algn="ctr" latinLnBrk="1"/>
                       <a:r>
-                        <a:rPr lang="ko-KR" altLang="en-US" sz="1200" b="1" cap="none" spc="0">
+                        <a:rPr lang="ko-KR" altLang="en-US" sz="1200" b="1" cap="none" spc="0" dirty="0">
                           <a:solidFill>
                             <a:schemeClr val="tx1"/>
                           </a:solidFill>
@@ -7021,7 +7165,7 @@
                     <a:p>
                       <a:pPr algn="l" latinLnBrk="1"/>
                       <a:r>
-                        <a:rPr lang="ko-KR" altLang="en-US" sz="1200" cap="none" spc="0">
+                        <a:rPr lang="ko-KR" altLang="en-US" sz="1200" cap="none" spc="0" dirty="0">
                           <a:solidFill>
                             <a:schemeClr val="tx1"/>
                           </a:solidFill>
@@ -7057,7 +7201,7 @@
                     </a:solidFill>
                   </a:tcPr>
                 </a:tc>
-                <a:tc rowSpan="2">
+                <a:tc>
                   <a:txBody>
                     <a:bodyPr/>
                     <a:lstStyle/>
@@ -7106,155 +7250,8 @@
                   </a:ext>
                 </a:extLst>
               </a:tr>
-              <a:tr h="307908">
-                <a:tc vMerge="1">
-                  <a:txBody>
-                    <a:bodyPr/>
-                    <a:lstStyle/>
-                    <a:p>
-                      <a:pPr latinLnBrk="1"/>
-                      <a:endParaRPr lang="ko-KR" altLang="en-US"/>
-                    </a:p>
-                  </a:txBody>
-                  <a:tcPr/>
-                </a:tc>
+              <a:tr h="372448">
                 <a:tc>
-                  <a:txBody>
-                    <a:bodyPr/>
-                    <a:lstStyle/>
-                    <a:p>
-                      <a:pPr algn="ctr" latinLnBrk="1"/>
-                      <a:r>
-                        <a:rPr lang="ko-KR" altLang="en-US" sz="1200" b="1" cap="none" spc="0" dirty="0">
-                          <a:solidFill>
-                            <a:schemeClr val="tx1"/>
-                          </a:solidFill>
-                        </a:rPr>
-                        <a:t>결과</a:t>
-                      </a:r>
-                      <a:endParaRPr lang="en-US" altLang="ko-KR" sz="1200" b="1" cap="none" spc="0" dirty="0">
-                        <a:solidFill>
-                          <a:schemeClr val="tx1"/>
-                        </a:solidFill>
-                      </a:endParaRPr>
-                    </a:p>
-                  </a:txBody>
-                  <a:tcPr marL="67757" marR="67757" marT="67757" marB="67757" anchor="ctr">
-                    <a:lnL w="12700" cmpd="sng">
-                      <a:noFill/>
-                      <a:prstDash val="solid"/>
-                    </a:lnL>
-                    <a:lnR w="12700" cmpd="sng">
-                      <a:noFill/>
-                      <a:prstDash val="solid"/>
-                    </a:lnR>
-                    <a:lnT w="12700" cmpd="sng">
-                      <a:noFill/>
-                      <a:prstDash val="solid"/>
-                    </a:lnT>
-                    <a:lnB w="12700" cmpd="sng">
-                      <a:noFill/>
-                      <a:prstDash val="solid"/>
-                    </a:lnB>
-                    <a:solidFill>
-                      <a:srgbClr val="F7F7F7"/>
-                    </a:solidFill>
-                  </a:tcPr>
-                </a:tc>
-                <a:tc>
-                  <a:txBody>
-                    <a:bodyPr/>
-                    <a:lstStyle/>
-                    <a:p>
-                      <a:pPr algn="l" latinLnBrk="1"/>
-                      <a:r>
-                        <a:rPr lang="ko-KR" altLang="en-US" sz="1100" cap="none" spc="0">
-                          <a:solidFill>
-                            <a:schemeClr val="tx1"/>
-                          </a:solidFill>
-                        </a:rPr>
-                        <a:t>캐릭터</a:t>
-                      </a:r>
-                      <a:r>
-                        <a:rPr lang="en-US" altLang="ko-KR" sz="1100" cap="none" spc="0">
-                          <a:solidFill>
-                            <a:schemeClr val="tx1"/>
-                          </a:solidFill>
-                        </a:rPr>
-                        <a:t>, </a:t>
-                      </a:r>
-                      <a:r>
-                        <a:rPr lang="ko-KR" altLang="en-US" sz="1100" cap="none" spc="0">
-                          <a:solidFill>
-                            <a:schemeClr val="tx1"/>
-                          </a:solidFill>
-                        </a:rPr>
-                        <a:t>각종 타일 리소스 수집 완료</a:t>
-                      </a:r>
-                      <a:r>
-                        <a:rPr lang="en-US" altLang="ko-KR" sz="1100" cap="none" spc="0">
-                          <a:solidFill>
-                            <a:schemeClr val="tx1"/>
-                          </a:solidFill>
-                        </a:rPr>
-                        <a:t>, </a:t>
-                      </a:r>
-                      <a:r>
-                        <a:rPr lang="ko-KR" altLang="en-US" sz="1100" cap="none" spc="0">
-                          <a:solidFill>
-                            <a:schemeClr val="tx1"/>
-                          </a:solidFill>
-                        </a:rPr>
-                        <a:t>캐릭터 이동 구현</a:t>
-                      </a:r>
-                      <a:endParaRPr lang="en-US" altLang="ko-KR" sz="1100" cap="none" spc="0" dirty="0">
-                        <a:solidFill>
-                          <a:schemeClr val="tx1"/>
-                        </a:solidFill>
-                      </a:endParaRPr>
-                    </a:p>
-                  </a:txBody>
-                  <a:tcPr marL="67757" marR="67757" marT="67757" marB="67757" anchor="ctr">
-                    <a:lnL w="12700" cmpd="sng">
-                      <a:noFill/>
-                      <a:prstDash val="solid"/>
-                    </a:lnL>
-                    <a:lnR w="12700" cmpd="sng">
-                      <a:noFill/>
-                      <a:prstDash val="solid"/>
-                    </a:lnR>
-                    <a:lnT w="12700" cmpd="sng">
-                      <a:noFill/>
-                      <a:prstDash val="solid"/>
-                    </a:lnT>
-                    <a:lnB w="12700" cmpd="sng">
-                      <a:noFill/>
-                      <a:prstDash val="solid"/>
-                    </a:lnB>
-                    <a:solidFill>
-                      <a:srgbClr val="F7F7F7"/>
-                    </a:solidFill>
-                  </a:tcPr>
-                </a:tc>
-                <a:tc vMerge="1">
-                  <a:txBody>
-                    <a:bodyPr/>
-                    <a:lstStyle/>
-                    <a:p>
-                      <a:pPr latinLnBrk="1"/>
-                      <a:endParaRPr lang="ko-KR" altLang="en-US"/>
-                    </a:p>
-                  </a:txBody>
-                  <a:tcPr/>
-                </a:tc>
-                <a:extLst>
-                  <a:ext uri="{0D108BD9-81ED-4DB2-BD59-A6C34878D82A}">
-                    <a16:rowId xmlns:a16="http://schemas.microsoft.com/office/drawing/2014/main" val="3049142417"/>
-                  </a:ext>
-                </a:extLst>
-              </a:tr>
-              <a:tr h="307908">
-                <a:tc rowSpan="2">
                   <a:txBody>
                     <a:bodyPr/>
                     <a:lstStyle/>
@@ -7309,7 +7306,7 @@
                     <a:p>
                       <a:pPr algn="ctr" latinLnBrk="1"/>
                       <a:r>
-                        <a:rPr lang="ko-KR" altLang="en-US" sz="1200" b="1" cap="none" spc="0">
+                        <a:rPr lang="ko-KR" altLang="en-US" sz="1200" b="1" cap="none" spc="0" dirty="0">
                           <a:solidFill>
                             <a:schemeClr val="tx1"/>
                           </a:solidFill>
@@ -7403,7 +7400,7 @@
                     </a:solidFill>
                   </a:tcPr>
                 </a:tc>
-                <a:tc rowSpan="2">
+                <a:tc>
                   <a:txBody>
                     <a:bodyPr/>
                     <a:lstStyle/>
@@ -7454,18 +7451,7 @@
                   </a:ext>
                 </a:extLst>
               </a:tr>
-              <a:tr h="307908">
-                <a:tc vMerge="1">
-                  <a:txBody>
-                    <a:bodyPr/>
-                    <a:lstStyle/>
-                    <a:p>
-                      <a:pPr latinLnBrk="1"/>
-                      <a:endParaRPr lang="ko-KR" altLang="en-US"/>
-                    </a:p>
-                  </a:txBody>
-                  <a:tcPr/>
-                </a:tc>
+              <a:tr h="372448">
                 <a:tc>
                   <a:txBody>
                     <a:bodyPr/>
@@ -7473,18 +7459,198 @@
                     <a:p>
                       <a:pPr algn="ctr" latinLnBrk="1"/>
                       <a:r>
+                        <a:rPr lang="en-US" altLang="ko-KR" sz="1200" cap="none" spc="0">
+                          <a:solidFill>
+                            <a:schemeClr val="tx1"/>
+                          </a:solidFill>
+                        </a:rPr>
+                        <a:t>3</a:t>
+                      </a:r>
+                      <a:r>
+                        <a:rPr lang="ko-KR" altLang="en-US" sz="1200" cap="none" spc="0">
+                          <a:solidFill>
+                            <a:schemeClr val="tx1"/>
+                          </a:solidFill>
+                        </a:rPr>
+                        <a:t>주차</a:t>
+                      </a:r>
+                    </a:p>
+                  </a:txBody>
+                  <a:tcPr marL="67757" marR="67757" marT="67757" marB="67757" anchor="ctr">
+                    <a:lnL w="12700" cmpd="sng">
+                      <a:noFill/>
+                      <a:prstDash val="solid"/>
+                    </a:lnL>
+                    <a:lnR w="12700" cmpd="sng">
+                      <a:noFill/>
+                      <a:prstDash val="solid"/>
+                    </a:lnR>
+                    <a:lnT w="12700" cmpd="sng">
+                      <a:noFill/>
+                      <a:prstDash val="solid"/>
+                    </a:lnT>
+                    <a:lnB w="12700" cmpd="sng">
+                      <a:noFill/>
+                      <a:prstDash val="solid"/>
+                    </a:lnB>
+                    <a:solidFill>
+                      <a:srgbClr val="F7F7F7"/>
+                    </a:solidFill>
+                  </a:tcPr>
+                </a:tc>
+                <a:tc>
+                  <a:txBody>
+                    <a:bodyPr/>
+                    <a:lstStyle/>
+                    <a:p>
+                      <a:pPr algn="ctr" latinLnBrk="1"/>
+                      <a:r>
                         <a:rPr lang="ko-KR" altLang="en-US" sz="1200" b="1" cap="none" spc="0" dirty="0">
                           <a:solidFill>
                             <a:schemeClr val="tx1"/>
                           </a:solidFill>
                         </a:rPr>
-                        <a:t>결과</a:t>
+                        <a:t>계획</a:t>
                       </a:r>
                       <a:endParaRPr lang="en-US" altLang="ko-KR" sz="1200" b="1" cap="none" spc="0" dirty="0">
                         <a:solidFill>
                           <a:schemeClr val="tx1"/>
                         </a:solidFill>
                       </a:endParaRPr>
+                    </a:p>
+                  </a:txBody>
+                  <a:tcPr marL="67757" marR="67757" marT="67757" marB="67757" anchor="ctr">
+                    <a:lnL w="12700" cmpd="sng">
+                      <a:noFill/>
+                      <a:prstDash val="solid"/>
+                    </a:lnL>
+                    <a:lnR w="12700" cmpd="sng">
+                      <a:noFill/>
+                      <a:prstDash val="solid"/>
+                    </a:lnR>
+                    <a:lnT w="12700" cmpd="sng">
+                      <a:noFill/>
+                      <a:prstDash val="solid"/>
+                    </a:lnT>
+                    <a:lnB w="12700" cmpd="sng">
+                      <a:noFill/>
+                      <a:prstDash val="solid"/>
+                    </a:lnB>
+                    <a:solidFill>
+                      <a:srgbClr val="F7F7F7"/>
+                    </a:solidFill>
+                  </a:tcPr>
+                </a:tc>
+                <a:tc>
+                  <a:txBody>
+                    <a:bodyPr/>
+                    <a:lstStyle/>
+                    <a:p>
+                      <a:pPr algn="l" latinLnBrk="1"/>
+                      <a:r>
+                        <a:rPr lang="ko-KR" altLang="en-US" sz="1200" cap="none" spc="0" dirty="0">
+                          <a:solidFill>
+                            <a:schemeClr val="tx1"/>
+                          </a:solidFill>
+                        </a:rPr>
+                        <a:t>아이템 구현 및 공격</a:t>
+                      </a:r>
+                    </a:p>
+                  </a:txBody>
+                  <a:tcPr marL="67757" marR="67757" marT="67757" marB="67757" anchor="ctr">
+                    <a:lnL w="12700" cmpd="sng">
+                      <a:noFill/>
+                      <a:prstDash val="solid"/>
+                    </a:lnL>
+                    <a:lnR w="12700" cmpd="sng">
+                      <a:noFill/>
+                      <a:prstDash val="solid"/>
+                    </a:lnR>
+                    <a:lnT w="12700" cmpd="sng">
+                      <a:noFill/>
+                      <a:prstDash val="solid"/>
+                    </a:lnT>
+                    <a:lnB w="12700" cmpd="sng">
+                      <a:noFill/>
+                      <a:prstDash val="solid"/>
+                    </a:lnB>
+                    <a:solidFill>
+                      <a:srgbClr val="F7F7F7"/>
+                    </a:solidFill>
+                  </a:tcPr>
+                </a:tc>
+                <a:tc>
+                  <a:txBody>
+                    <a:bodyPr/>
+                    <a:lstStyle/>
+                    <a:p>
+                      <a:pPr algn="ctr" latinLnBrk="1"/>
+                      <a:r>
+                        <a:rPr lang="en-US" altLang="ko-KR" sz="1200" b="1" cap="none" spc="0" dirty="0">
+                          <a:solidFill>
+                            <a:schemeClr val="tx1"/>
+                          </a:solidFill>
+                        </a:rPr>
+                        <a:t>90%</a:t>
+                      </a:r>
+                      <a:endParaRPr lang="ko-KR" altLang="en-US" sz="1200" b="1" cap="none" spc="0" dirty="0">
+                        <a:solidFill>
+                          <a:schemeClr val="tx1"/>
+                        </a:solidFill>
+                      </a:endParaRPr>
+                    </a:p>
+                  </a:txBody>
+                  <a:tcPr marL="67757" marR="67757" marT="67757" marB="67757" anchor="ctr">
+                    <a:lnL w="12700" cmpd="sng">
+                      <a:noFill/>
+                      <a:prstDash val="solid"/>
+                    </a:lnL>
+                    <a:lnR w="12700" cmpd="sng">
+                      <a:noFill/>
+                      <a:prstDash val="solid"/>
+                    </a:lnR>
+                    <a:lnT w="12700" cmpd="sng">
+                      <a:noFill/>
+                      <a:prstDash val="solid"/>
+                    </a:lnT>
+                    <a:lnB w="12700" cmpd="sng">
+                      <a:noFill/>
+                      <a:prstDash val="solid"/>
+                    </a:lnB>
+                    <a:solidFill>
+                      <a:srgbClr val="F7F7F7"/>
+                    </a:solidFill>
+                  </a:tcPr>
+                </a:tc>
+                <a:extLst>
+                  <a:ext uri="{0D108BD9-81ED-4DB2-BD59-A6C34878D82A}">
+                    <a16:rowId xmlns:a16="http://schemas.microsoft.com/office/drawing/2014/main" val="1092810757"/>
+                  </a:ext>
+                </a:extLst>
+              </a:tr>
+              <a:tr h="372448">
+                <a:tc>
+                  <a:txBody>
+                    <a:bodyPr/>
+                    <a:lstStyle/>
+                    <a:p>
+                      <a:pPr algn="ctr" latinLnBrk="1"/>
+                      <a:r>
+                        <a:rPr lang="en-US" altLang="ko-KR" sz="1200" cap="none" spc="0" dirty="0">
+                          <a:solidFill>
+                            <a:schemeClr val="tx1"/>
+                          </a:solidFill>
+                        </a:rPr>
+                        <a:t>4</a:t>
+                      </a:r>
+                      <a:r>
+                        <a:rPr lang="ko-KR" altLang="en-US" sz="1200" cap="none" spc="0" dirty="0">
+                          <a:solidFill>
+                            <a:schemeClr val="tx1"/>
+                          </a:solidFill>
+                        </a:rPr>
+                        <a:t>주차</a:t>
+                      </a:r>
                     </a:p>
                   </a:txBody>
                   <a:tcPr marL="67757" marR="67757" marT="67757" marB="67757" anchor="ctr">
@@ -7516,72 +7682,16 @@
                     <a:bodyPr/>
                     <a:lstStyle/>
                     <a:p>
-                      <a:pPr algn="l" latinLnBrk="1"/>
-                      <a:r>
-                        <a:rPr lang="ko-KR" altLang="en-US" sz="1050" cap="none" spc="0" dirty="0">
-                          <a:solidFill>
-                            <a:schemeClr val="tx1"/>
-                          </a:solidFill>
-                        </a:rPr>
-                        <a:t>타일 구현</a:t>
-                      </a:r>
-                      <a:r>
-                        <a:rPr lang="en-US" altLang="ko-KR" sz="1050" cap="none" spc="0" dirty="0">
-                          <a:solidFill>
-                            <a:schemeClr val="tx1"/>
-                          </a:solidFill>
-                        </a:rPr>
-                        <a:t>, </a:t>
-                      </a:r>
-                      <a:r>
-                        <a:rPr lang="ko-KR" altLang="en-US" sz="1050" cap="none" spc="0" dirty="0">
-                          <a:solidFill>
-                            <a:schemeClr val="tx1"/>
-                          </a:solidFill>
-                        </a:rPr>
-                        <a:t>몬스터</a:t>
-                      </a:r>
-                      <a:r>
-                        <a:rPr lang="en-US" altLang="ko-KR" sz="1050" cap="none" spc="0" dirty="0">
-                          <a:solidFill>
-                            <a:schemeClr val="tx1"/>
-                          </a:solidFill>
-                        </a:rPr>
-                        <a:t> </a:t>
-                      </a:r>
-                      <a:r>
-                        <a:rPr lang="ko-KR" altLang="en-US" sz="1050" cap="none" spc="0" dirty="0">
-                          <a:solidFill>
-                            <a:schemeClr val="tx1"/>
-                          </a:solidFill>
-                        </a:rPr>
-                        <a:t>구현</a:t>
-                      </a:r>
-                      <a:r>
-                        <a:rPr lang="en-US" altLang="ko-KR" sz="1050" cap="none" spc="0" dirty="0">
-                          <a:solidFill>
-                            <a:schemeClr val="tx1"/>
-                          </a:solidFill>
-                        </a:rPr>
-                        <a:t>(</a:t>
-                      </a:r>
-                      <a:r>
-                        <a:rPr lang="ko-KR" altLang="en-US" sz="1050" cap="none" spc="0" dirty="0">
-                          <a:solidFill>
-                            <a:schemeClr val="tx1"/>
-                          </a:solidFill>
-                        </a:rPr>
-                        <a:t>몬스터 사망 모션 미 구현</a:t>
-                      </a:r>
-                      <a:r>
-                        <a:rPr lang="en-US" altLang="ko-KR" sz="1050" cap="none" spc="0" dirty="0">
-                          <a:solidFill>
-                            <a:schemeClr val="tx1"/>
-                          </a:solidFill>
-                        </a:rPr>
-                        <a:t>)</a:t>
-                      </a:r>
-                      <a:endParaRPr lang="ko-KR" altLang="en-US" sz="1050" cap="none" spc="0" dirty="0">
+                      <a:pPr algn="ctr" latinLnBrk="1"/>
+                      <a:r>
+                        <a:rPr lang="ko-KR" altLang="en-US" sz="1200" b="1" cap="none" spc="0" dirty="0">
+                          <a:solidFill>
+                            <a:schemeClr val="tx1"/>
+                          </a:solidFill>
+                        </a:rPr>
+                        <a:t>계획</a:t>
+                      </a:r>
+                      <a:endParaRPr lang="en-US" altLang="ko-KR" sz="1200" b="1" cap="none" spc="0" dirty="0">
                         <a:solidFill>
                           <a:schemeClr val="tx1"/>
                         </a:solidFill>
@@ -7612,118 +7722,11 @@
                     </a:solidFill>
                   </a:tcPr>
                 </a:tc>
-                <a:tc vMerge="1">
-                  <a:txBody>
-                    <a:bodyPr/>
-                    <a:lstStyle/>
-                    <a:p>
-                      <a:pPr latinLnBrk="1"/>
-                      <a:endParaRPr lang="ko-KR" altLang="en-US"/>
-                    </a:p>
-                  </a:txBody>
-                  <a:tcPr/>
-                </a:tc>
-                <a:extLst>
-                  <a:ext uri="{0D108BD9-81ED-4DB2-BD59-A6C34878D82A}">
-                    <a16:rowId xmlns:a16="http://schemas.microsoft.com/office/drawing/2014/main" val="2091867811"/>
-                  </a:ext>
-                </a:extLst>
-              </a:tr>
-              <a:tr h="307908">
-                <a:tc rowSpan="2">
-                  <a:txBody>
-                    <a:bodyPr/>
-                    <a:lstStyle/>
-                    <a:p>
-                      <a:pPr algn="ctr" latinLnBrk="1"/>
-                      <a:r>
-                        <a:rPr lang="en-US" altLang="ko-KR" sz="1200" cap="none" spc="0">
-                          <a:solidFill>
-                            <a:schemeClr val="tx1"/>
-                          </a:solidFill>
-                        </a:rPr>
-                        <a:t>3</a:t>
-                      </a:r>
-                      <a:r>
-                        <a:rPr lang="ko-KR" altLang="en-US" sz="1200" cap="none" spc="0">
-                          <a:solidFill>
-                            <a:schemeClr val="tx1"/>
-                          </a:solidFill>
-                        </a:rPr>
-                        <a:t>주차</a:t>
-                      </a:r>
-                    </a:p>
-                  </a:txBody>
-                  <a:tcPr marL="67757" marR="67757" marT="67757" marB="67757" anchor="ctr">
-                    <a:lnL w="12700" cmpd="sng">
-                      <a:noFill/>
-                      <a:prstDash val="solid"/>
-                    </a:lnL>
-                    <a:lnR w="12700" cmpd="sng">
-                      <a:noFill/>
-                      <a:prstDash val="solid"/>
-                    </a:lnR>
-                    <a:lnT w="12700" cmpd="sng">
-                      <a:noFill/>
-                      <a:prstDash val="solid"/>
-                    </a:lnT>
-                    <a:lnB w="12700" cmpd="sng">
-                      <a:noFill/>
-                      <a:prstDash val="solid"/>
-                    </a:lnB>
-                    <a:solidFill>
-                      <a:srgbClr val="F7F7F7"/>
-                    </a:solidFill>
-                  </a:tcPr>
-                </a:tc>
                 <a:tc>
                   <a:txBody>
                     <a:bodyPr/>
                     <a:lstStyle/>
                     <a:p>
-                      <a:pPr algn="ctr" latinLnBrk="1"/>
-                      <a:r>
-                        <a:rPr lang="ko-KR" altLang="en-US" sz="1200" b="1" cap="none" spc="0" dirty="0">
-                          <a:solidFill>
-                            <a:schemeClr val="tx1"/>
-                          </a:solidFill>
-                        </a:rPr>
-                        <a:t>계획</a:t>
-                      </a:r>
-                      <a:endParaRPr lang="en-US" altLang="ko-KR" sz="1200" b="1" cap="none" spc="0" dirty="0">
-                        <a:solidFill>
-                          <a:schemeClr val="tx1"/>
-                        </a:solidFill>
-                      </a:endParaRPr>
-                    </a:p>
-                  </a:txBody>
-                  <a:tcPr marL="67757" marR="67757" marT="67757" marB="67757" anchor="ctr">
-                    <a:lnL w="12700" cmpd="sng">
-                      <a:noFill/>
-                      <a:prstDash val="solid"/>
-                    </a:lnL>
-                    <a:lnR w="12700" cmpd="sng">
-                      <a:noFill/>
-                      <a:prstDash val="solid"/>
-                    </a:lnR>
-                    <a:lnT w="12700" cmpd="sng">
-                      <a:noFill/>
-                      <a:prstDash val="solid"/>
-                    </a:lnT>
-                    <a:lnB w="12700" cmpd="sng">
-                      <a:noFill/>
-                      <a:prstDash val="solid"/>
-                    </a:lnB>
-                    <a:solidFill>
-                      <a:srgbClr val="F7F7F7"/>
-                    </a:solidFill>
-                  </a:tcPr>
-                </a:tc>
-                <a:tc>
-                  <a:txBody>
-                    <a:bodyPr/>
-                    <a:lstStyle/>
-                    <a:p>
                       <a:pPr algn="l" latinLnBrk="1"/>
                       <a:r>
                         <a:rPr lang="ko-KR" altLang="en-US" sz="1200" cap="none" spc="0" dirty="0">
@@ -7731,226 +7734,7 @@
                             <a:schemeClr val="tx1"/>
                           </a:solidFill>
                         </a:rPr>
-                        <a:t>아이템 구현 및 공격</a:t>
-                      </a:r>
-                    </a:p>
-                  </a:txBody>
-                  <a:tcPr marL="67757" marR="67757" marT="67757" marB="67757" anchor="ctr">
-                    <a:lnL w="12700" cmpd="sng">
-                      <a:noFill/>
-                      <a:prstDash val="solid"/>
-                    </a:lnL>
-                    <a:lnR w="12700" cmpd="sng">
-                      <a:noFill/>
-                      <a:prstDash val="solid"/>
-                    </a:lnR>
-                    <a:lnT w="12700" cmpd="sng">
-                      <a:noFill/>
-                      <a:prstDash val="solid"/>
-                    </a:lnT>
-                    <a:lnB w="12700" cmpd="sng">
-                      <a:noFill/>
-                      <a:prstDash val="solid"/>
-                    </a:lnB>
-                    <a:solidFill>
-                      <a:srgbClr val="F7F7F7"/>
-                    </a:solidFill>
-                  </a:tcPr>
-                </a:tc>
-                <a:tc rowSpan="2">
-                  <a:txBody>
-                    <a:bodyPr/>
-                    <a:lstStyle/>
-                    <a:p>
-                      <a:pPr algn="ctr" latinLnBrk="1"/>
-                      <a:r>
-                        <a:rPr lang="en-US" altLang="ko-KR" sz="1200" b="1" cap="none" spc="0" dirty="0">
-                          <a:solidFill>
-                            <a:schemeClr val="tx1"/>
-                          </a:solidFill>
-                        </a:rPr>
-                        <a:t>90%</a:t>
-                      </a:r>
-                      <a:endParaRPr lang="ko-KR" altLang="en-US" sz="1200" b="1" cap="none" spc="0" dirty="0">
-                        <a:solidFill>
-                          <a:schemeClr val="tx1"/>
-                        </a:solidFill>
-                      </a:endParaRPr>
-                    </a:p>
-                  </a:txBody>
-                  <a:tcPr marL="67757" marR="67757" marT="67757" marB="67757" anchor="ctr">
-                    <a:lnL w="12700" cmpd="sng">
-                      <a:noFill/>
-                      <a:prstDash val="solid"/>
-                    </a:lnL>
-                    <a:lnR w="12700" cmpd="sng">
-                      <a:noFill/>
-                      <a:prstDash val="solid"/>
-                    </a:lnR>
-                    <a:lnT w="12700" cmpd="sng">
-                      <a:noFill/>
-                      <a:prstDash val="solid"/>
-                    </a:lnT>
-                    <a:lnB w="12700" cmpd="sng">
-                      <a:noFill/>
-                      <a:prstDash val="solid"/>
-                    </a:lnB>
-                    <a:solidFill>
-                      <a:srgbClr val="F7F7F7"/>
-                    </a:solidFill>
-                  </a:tcPr>
-                </a:tc>
-                <a:extLst>
-                  <a:ext uri="{0D108BD9-81ED-4DB2-BD59-A6C34878D82A}">
-                    <a16:rowId xmlns:a16="http://schemas.microsoft.com/office/drawing/2014/main" val="1092810757"/>
-                  </a:ext>
-                </a:extLst>
-              </a:tr>
-              <a:tr h="307908">
-                <a:tc vMerge="1">
-                  <a:txBody>
-                    <a:bodyPr/>
-                    <a:lstStyle/>
-                    <a:p>
-                      <a:pPr latinLnBrk="1"/>
-                      <a:endParaRPr lang="ko-KR" altLang="en-US"/>
-                    </a:p>
-                  </a:txBody>
-                  <a:tcPr/>
-                </a:tc>
-                <a:tc>
-                  <a:txBody>
-                    <a:bodyPr/>
-                    <a:lstStyle/>
-                    <a:p>
-                      <a:pPr algn="ctr" latinLnBrk="1"/>
-                      <a:r>
-                        <a:rPr lang="ko-KR" altLang="en-US" sz="1200" b="1" cap="none" spc="0" dirty="0">
-                          <a:solidFill>
-                            <a:schemeClr val="tx1"/>
-                          </a:solidFill>
-                        </a:rPr>
-                        <a:t>결과</a:t>
-                      </a:r>
-                      <a:endParaRPr lang="en-US" altLang="ko-KR" sz="1200" b="1" cap="none" spc="0" dirty="0">
-                        <a:solidFill>
-                          <a:schemeClr val="tx1"/>
-                        </a:solidFill>
-                      </a:endParaRPr>
-                    </a:p>
-                  </a:txBody>
-                  <a:tcPr marL="67757" marR="67757" marT="67757" marB="67757" anchor="ctr">
-                    <a:lnL w="12700" cmpd="sng">
-                      <a:noFill/>
-                      <a:prstDash val="solid"/>
-                    </a:lnL>
-                    <a:lnR w="12700" cmpd="sng">
-                      <a:noFill/>
-                      <a:prstDash val="solid"/>
-                    </a:lnR>
-                    <a:lnT w="12700" cmpd="sng">
-                      <a:noFill/>
-                      <a:prstDash val="solid"/>
-                    </a:lnT>
-                    <a:lnB w="12700" cmpd="sng">
-                      <a:noFill/>
-                      <a:prstDash val="solid"/>
-                    </a:lnB>
-                    <a:solidFill>
-                      <a:srgbClr val="F7F7F7"/>
-                    </a:solidFill>
-                  </a:tcPr>
-                </a:tc>
-                <a:tc>
-                  <a:txBody>
-                    <a:bodyPr/>
-                    <a:lstStyle/>
-                    <a:p>
-                      <a:pPr algn="l" latinLnBrk="1"/>
-                      <a:r>
-                        <a:rPr lang="ko-KR" altLang="en-US" sz="1100" cap="none" spc="0" dirty="0">
-                          <a:solidFill>
-                            <a:schemeClr val="tx1"/>
-                          </a:solidFill>
-                        </a:rPr>
-                        <a:t>스타 아이템  </a:t>
-                      </a:r>
-                      <a:r>
-                        <a:rPr lang="ko-KR" altLang="en-US" sz="1100" cap="none" spc="0" dirty="0" err="1">
-                          <a:solidFill>
-                            <a:schemeClr val="tx1"/>
-                          </a:solidFill>
-                        </a:rPr>
-                        <a:t>미구현</a:t>
-                      </a:r>
-                      <a:endParaRPr lang="ko-KR" altLang="en-US" sz="1100" cap="none" spc="0" dirty="0">
-                        <a:solidFill>
-                          <a:schemeClr val="tx1"/>
-                        </a:solidFill>
-                      </a:endParaRPr>
-                    </a:p>
-                  </a:txBody>
-                  <a:tcPr marL="67757" marR="67757" marT="67757" marB="67757" anchor="ctr">
-                    <a:lnL w="12700" cmpd="sng">
-                      <a:noFill/>
-                      <a:prstDash val="solid"/>
-                    </a:lnL>
-                    <a:lnR w="12700" cmpd="sng">
-                      <a:noFill/>
-                      <a:prstDash val="solid"/>
-                    </a:lnR>
-                    <a:lnT w="12700" cmpd="sng">
-                      <a:noFill/>
-                      <a:prstDash val="solid"/>
-                    </a:lnT>
-                    <a:lnB w="12700" cmpd="sng">
-                      <a:noFill/>
-                      <a:prstDash val="solid"/>
-                    </a:lnB>
-                    <a:solidFill>
-                      <a:srgbClr val="F7F7F7"/>
-                    </a:solidFill>
-                  </a:tcPr>
-                </a:tc>
-                <a:tc vMerge="1">
-                  <a:txBody>
-                    <a:bodyPr/>
-                    <a:lstStyle/>
-                    <a:p>
-                      <a:pPr latinLnBrk="1"/>
-                      <a:endParaRPr lang="ko-KR" altLang="en-US"/>
-                    </a:p>
-                  </a:txBody>
-                  <a:tcPr/>
-                </a:tc>
-                <a:extLst>
-                  <a:ext uri="{0D108BD9-81ED-4DB2-BD59-A6C34878D82A}">
-                    <a16:rowId xmlns:a16="http://schemas.microsoft.com/office/drawing/2014/main" val="3836446461"/>
-                  </a:ext>
-                </a:extLst>
-              </a:tr>
-              <a:tr h="322001">
-                <a:tc rowSpan="2">
-                  <a:txBody>
-                    <a:bodyPr/>
-                    <a:lstStyle/>
-                    <a:p>
-                      <a:pPr algn="ctr" latinLnBrk="1"/>
-                      <a:r>
-                        <a:rPr lang="en-US" altLang="ko-KR" sz="1200" cap="none" spc="0" dirty="0">
-                          <a:solidFill>
-                            <a:schemeClr val="tx1"/>
-                          </a:solidFill>
-                        </a:rPr>
-                        <a:t>4</a:t>
-                      </a:r>
-                      <a:r>
-                        <a:rPr lang="ko-KR" altLang="en-US" sz="1200" cap="none" spc="0" dirty="0">
-                          <a:solidFill>
-                            <a:schemeClr val="tx1"/>
-                          </a:solidFill>
-                        </a:rPr>
-                        <a:t>주차</a:t>
+                        <a:t>테스트 맵 제작</a:t>
                       </a:r>
                     </a:p>
                   </a:txBody>
@@ -7985,14 +7769,14 @@
                     <a:p>
                       <a:pPr algn="ctr" latinLnBrk="1"/>
                       <a:r>
-                        <a:rPr lang="ko-KR" altLang="en-US" sz="1200" b="1" cap="none" spc="0" dirty="0">
-                          <a:solidFill>
-                            <a:schemeClr val="tx1"/>
-                          </a:solidFill>
-                        </a:rPr>
-                        <a:t>계획</a:t>
-                      </a:r>
-                      <a:endParaRPr lang="en-US" altLang="ko-KR" sz="1200" b="1" cap="none" spc="0" dirty="0">
+                        <a:rPr lang="en-US" altLang="ko-KR" sz="1200" b="1" cap="none" spc="0" dirty="0">
+                          <a:solidFill>
+                            <a:schemeClr val="tx1"/>
+                          </a:solidFill>
+                        </a:rPr>
+                        <a:t>100%</a:t>
+                      </a:r>
+                      <a:endParaRPr lang="ko-KR" altLang="en-US" sz="1200" b="1" cap="none" spc="0" dirty="0">
                         <a:solidFill>
                           <a:schemeClr val="tx1"/>
                         </a:solidFill>
@@ -8023,19 +7807,372 @@
                     </a:solidFill>
                   </a:tcPr>
                 </a:tc>
+                <a:extLst>
+                  <a:ext uri="{0D108BD9-81ED-4DB2-BD59-A6C34878D82A}">
+                    <a16:rowId xmlns:a16="http://schemas.microsoft.com/office/drawing/2014/main" val="1764180668"/>
+                  </a:ext>
+                </a:extLst>
+              </a:tr>
+              <a:tr h="372448">
                 <a:tc>
                   <a:txBody>
                     <a:bodyPr/>
                     <a:lstStyle/>
                     <a:p>
-                      <a:pPr algn="l" latinLnBrk="1"/>
+                      <a:pPr algn="ctr" latinLnBrk="1"/>
+                      <a:r>
+                        <a:rPr lang="en-US" altLang="ko-KR" sz="1200" cap="none" spc="0" dirty="0">
+                          <a:solidFill>
+                            <a:schemeClr val="tx1"/>
+                          </a:solidFill>
+                        </a:rPr>
+                        <a:t>5</a:t>
+                      </a:r>
                       <a:r>
                         <a:rPr lang="ko-KR" altLang="en-US" sz="1200" cap="none" spc="0" dirty="0">
                           <a:solidFill>
                             <a:schemeClr val="tx1"/>
                           </a:solidFill>
                         </a:rPr>
-                        <a:t>테스트 맵 제작</a:t>
+                        <a:t>주차</a:t>
+                      </a:r>
+                    </a:p>
+                  </a:txBody>
+                  <a:tcPr marL="67757" marR="67757" marT="67757" marB="67757" anchor="ctr">
+                    <a:lnL w="12700" cmpd="sng">
+                      <a:noFill/>
+                      <a:prstDash val="solid"/>
+                    </a:lnL>
+                    <a:lnR w="12700" cmpd="sng">
+                      <a:noFill/>
+                      <a:prstDash val="solid"/>
+                    </a:lnR>
+                    <a:lnT w="12700" cmpd="sng">
+                      <a:noFill/>
+                      <a:prstDash val="solid"/>
+                    </a:lnT>
+                    <a:lnB w="12700" cmpd="sng">
+                      <a:noFill/>
+                      <a:prstDash val="solid"/>
+                    </a:lnB>
+                    <a:solidFill>
+                      <a:srgbClr val="F7F7F7"/>
+                    </a:solidFill>
+                  </a:tcPr>
+                </a:tc>
+                <a:tc>
+                  <a:txBody>
+                    <a:bodyPr/>
+                    <a:lstStyle/>
+                    <a:p>
+                      <a:pPr algn="ctr" latinLnBrk="1"/>
+                      <a:r>
+                        <a:rPr lang="ko-KR" altLang="en-US" sz="1200" b="1" cap="none" spc="0" dirty="0">
+                          <a:solidFill>
+                            <a:schemeClr val="tx1"/>
+                          </a:solidFill>
+                        </a:rPr>
+                        <a:t>계획</a:t>
+                      </a:r>
+                      <a:endParaRPr lang="en-US" altLang="ko-KR" sz="1200" b="1" cap="none" spc="0" dirty="0">
+                        <a:solidFill>
+                          <a:schemeClr val="tx1"/>
+                        </a:solidFill>
+                      </a:endParaRPr>
+                    </a:p>
+                  </a:txBody>
+                  <a:tcPr marL="67757" marR="67757" marT="67757" marB="67757" anchor="ctr">
+                    <a:lnL w="12700" cmpd="sng">
+                      <a:noFill/>
+                      <a:prstDash val="solid"/>
+                    </a:lnL>
+                    <a:lnR w="12700" cmpd="sng">
+                      <a:noFill/>
+                      <a:prstDash val="solid"/>
+                    </a:lnR>
+                    <a:lnT w="12700" cmpd="sng">
+                      <a:noFill/>
+                      <a:prstDash val="solid"/>
+                    </a:lnT>
+                    <a:lnB w="12700" cmpd="sng">
+                      <a:noFill/>
+                      <a:prstDash val="solid"/>
+                    </a:lnB>
+                    <a:solidFill>
+                      <a:srgbClr val="F7F7F7"/>
+                    </a:solidFill>
+                  </a:tcPr>
+                </a:tc>
+                <a:tc>
+                  <a:txBody>
+                    <a:bodyPr/>
+                    <a:lstStyle/>
+                    <a:p>
+                      <a:pPr latinLnBrk="1"/>
+                      <a:r>
+                        <a:rPr lang="ko-KR" altLang="en-US" sz="1200" cap="none" spc="0" dirty="0" err="1">
+                          <a:solidFill>
+                            <a:schemeClr val="tx1"/>
+                          </a:solidFill>
+                        </a:rPr>
+                        <a:t>마리오</a:t>
+                      </a:r>
+                      <a:r>
+                        <a:rPr lang="ko-KR" altLang="en-US" sz="1200" cap="none" spc="0" dirty="0">
+                          <a:solidFill>
+                            <a:schemeClr val="tx1"/>
+                          </a:solidFill>
+                        </a:rPr>
+                        <a:t> </a:t>
+                      </a:r>
+                      <a:r>
+                        <a:rPr lang="en-US" altLang="ko-KR" sz="1200" cap="none" spc="0" dirty="0">
+                          <a:solidFill>
+                            <a:schemeClr val="tx1"/>
+                          </a:solidFill>
+                        </a:rPr>
+                        <a:t>– </a:t>
+                      </a:r>
+                      <a:r>
+                        <a:rPr lang="ko-KR" altLang="en-US" sz="1200" cap="none" spc="0" dirty="0">
+                          <a:solidFill>
+                            <a:schemeClr val="tx1"/>
+                          </a:solidFill>
+                        </a:rPr>
+                        <a:t>몬스터 충돌</a:t>
+                      </a:r>
+                      <a:r>
+                        <a:rPr lang="en-US" altLang="ko-KR" sz="1200" cap="none" spc="0" dirty="0">
+                          <a:solidFill>
+                            <a:schemeClr val="tx1"/>
+                          </a:solidFill>
+                        </a:rPr>
+                        <a:t>, </a:t>
+                      </a:r>
+                      <a:r>
+                        <a:rPr lang="ko-KR" altLang="en-US" sz="1200" cap="none" spc="0" dirty="0">
+                          <a:solidFill>
+                            <a:schemeClr val="tx1"/>
+                          </a:solidFill>
+                        </a:rPr>
+                        <a:t>아이템</a:t>
+                      </a:r>
+                      <a:r>
+                        <a:rPr lang="en-US" altLang="ko-KR" sz="1200" cap="none" spc="0" dirty="0">
+                          <a:solidFill>
+                            <a:schemeClr val="tx1"/>
+                          </a:solidFill>
+                        </a:rPr>
+                        <a:t>(</a:t>
+                      </a:r>
+                      <a:r>
+                        <a:rPr lang="ko-KR" altLang="en-US" sz="1200" cap="none" spc="0" dirty="0">
+                          <a:solidFill>
+                            <a:schemeClr val="tx1"/>
+                          </a:solidFill>
+                        </a:rPr>
+                        <a:t>버섯</a:t>
+                      </a:r>
+                      <a:r>
+                        <a:rPr lang="en-US" altLang="ko-KR" sz="1200" cap="none" spc="0" dirty="0">
+                          <a:solidFill>
+                            <a:schemeClr val="tx1"/>
+                          </a:solidFill>
+                        </a:rPr>
+                        <a:t>, </a:t>
+                      </a:r>
+                      <a:r>
+                        <a:rPr lang="ko-KR" altLang="en-US" sz="1200" cap="none" spc="0" dirty="0">
+                          <a:solidFill>
+                            <a:schemeClr val="tx1"/>
+                          </a:solidFill>
+                        </a:rPr>
+                        <a:t>꽃</a:t>
+                      </a:r>
+                      <a:r>
+                        <a:rPr lang="en-US" altLang="ko-KR" sz="1200" cap="none" spc="0" dirty="0">
+                          <a:solidFill>
+                            <a:schemeClr val="tx1"/>
+                          </a:solidFill>
+                        </a:rPr>
+                        <a:t>) </a:t>
+                      </a:r>
+                      <a:r>
+                        <a:rPr lang="ko-KR" altLang="en-US" sz="1200" cap="none" spc="0" dirty="0">
+                          <a:solidFill>
+                            <a:schemeClr val="tx1"/>
+                          </a:solidFill>
+                        </a:rPr>
+                        <a:t>추가</a:t>
+                      </a:r>
+                      <a:r>
+                        <a:rPr lang="en-US" altLang="ko-KR" sz="1200" cap="none" spc="0" dirty="0">
+                          <a:solidFill>
+                            <a:schemeClr val="tx1"/>
+                          </a:solidFill>
+                        </a:rPr>
+                        <a:t>, </a:t>
+                      </a:r>
+                      <a:r>
+                        <a:rPr lang="ko-KR" altLang="en-US" sz="1200" cap="none" spc="0" dirty="0">
+                          <a:solidFill>
+                            <a:schemeClr val="tx1"/>
+                          </a:solidFill>
+                        </a:rPr>
+                        <a:t>이벤트</a:t>
+                      </a:r>
+                      <a:r>
+                        <a:rPr lang="en-US" altLang="ko-KR" sz="1200" cap="none" spc="0" dirty="0">
+                          <a:solidFill>
+                            <a:schemeClr val="tx1"/>
+                          </a:solidFill>
+                        </a:rPr>
+                        <a:t>(</a:t>
+                      </a:r>
+                      <a:r>
+                        <a:rPr lang="ko-KR" altLang="en-US" sz="1200" cap="none" spc="0" dirty="0">
+                          <a:solidFill>
+                            <a:schemeClr val="tx1"/>
+                          </a:solidFill>
+                        </a:rPr>
+                        <a:t>목숨</a:t>
+                      </a:r>
+                      <a:r>
+                        <a:rPr lang="en-US" altLang="ko-KR" sz="1200" cap="none" spc="0" dirty="0">
+                          <a:solidFill>
+                            <a:schemeClr val="tx1"/>
+                          </a:solidFill>
+                        </a:rPr>
+                        <a:t>, </a:t>
+                      </a:r>
+                      <a:r>
+                        <a:rPr lang="ko-KR" altLang="en-US" sz="1200" cap="none" spc="0" dirty="0">
+                          <a:solidFill>
+                            <a:schemeClr val="tx1"/>
+                          </a:solidFill>
+                        </a:rPr>
+                        <a:t>동전</a:t>
+                      </a:r>
+                      <a:r>
+                        <a:rPr lang="en-US" altLang="ko-KR" sz="1200" cap="none" spc="0" dirty="0">
+                          <a:solidFill>
+                            <a:schemeClr val="tx1"/>
+                          </a:solidFill>
+                        </a:rPr>
+                        <a:t> </a:t>
+                      </a:r>
+                      <a:r>
+                        <a:rPr lang="ko-KR" altLang="en-US" sz="1200" cap="none" spc="0" dirty="0">
+                          <a:solidFill>
+                            <a:schemeClr val="tx1"/>
+                          </a:solidFill>
+                        </a:rPr>
+                        <a:t>등</a:t>
+                      </a:r>
+                      <a:r>
+                        <a:rPr lang="en-US" altLang="ko-KR" sz="1200" cap="none" spc="0" dirty="0">
+                          <a:solidFill>
+                            <a:schemeClr val="tx1"/>
+                          </a:solidFill>
+                        </a:rPr>
+                        <a:t>) </a:t>
+                      </a:r>
+                      <a:r>
+                        <a:rPr lang="ko-KR" altLang="en-US" sz="1200" cap="none" spc="0" dirty="0">
+                          <a:solidFill>
+                            <a:schemeClr val="tx1"/>
+                          </a:solidFill>
+                        </a:rPr>
+                        <a:t>추가</a:t>
+                      </a:r>
+                      <a:endParaRPr lang="ko-KR" altLang="en-US" sz="1400" dirty="0"/>
+                    </a:p>
+                  </a:txBody>
+                  <a:tcPr marL="67757" marR="67757" marT="67757" marB="67757" anchor="ctr">
+                    <a:lnL w="12700" cmpd="sng">
+                      <a:noFill/>
+                      <a:prstDash val="solid"/>
+                    </a:lnL>
+                    <a:lnR w="12700" cmpd="sng">
+                      <a:noFill/>
+                      <a:prstDash val="solid"/>
+                    </a:lnR>
+                    <a:lnT w="12700" cmpd="sng">
+                      <a:noFill/>
+                      <a:prstDash val="solid"/>
+                    </a:lnT>
+                    <a:lnB w="12700" cmpd="sng">
+                      <a:noFill/>
+                      <a:prstDash val="solid"/>
+                    </a:lnB>
+                    <a:solidFill>
+                      <a:srgbClr val="F7F7F7"/>
+                    </a:solidFill>
+                  </a:tcPr>
+                </a:tc>
+                <a:tc>
+                  <a:txBody>
+                    <a:bodyPr/>
+                    <a:lstStyle/>
+                    <a:p>
+                      <a:pPr algn="ctr" latinLnBrk="1"/>
+                      <a:r>
+                        <a:rPr lang="en-US" altLang="ko-KR" sz="1200" b="1" dirty="0"/>
+                        <a:t>100%</a:t>
+                      </a:r>
+                      <a:endParaRPr lang="ko-KR" altLang="en-US" sz="1200" b="1" dirty="0"/>
+                    </a:p>
+                  </a:txBody>
+                  <a:tcPr marL="67757" marR="67757" marT="67757" marB="67757" anchor="ctr">
+                    <a:lnL w="12700" cmpd="sng">
+                      <a:noFill/>
+                      <a:prstDash val="solid"/>
+                    </a:lnL>
+                    <a:lnR w="12700" cmpd="sng">
+                      <a:noFill/>
+                      <a:prstDash val="solid"/>
+                    </a:lnR>
+                    <a:lnT w="12700" cmpd="sng">
+                      <a:noFill/>
+                      <a:prstDash val="solid"/>
+                    </a:lnT>
+                    <a:lnB w="12700" cmpd="sng">
+                      <a:noFill/>
+                      <a:prstDash val="solid"/>
+                    </a:lnB>
+                    <a:solidFill>
+                      <a:srgbClr val="F7F7F7"/>
+                    </a:solidFill>
+                  </a:tcPr>
+                </a:tc>
+                <a:extLst>
+                  <a:ext uri="{0D108BD9-81ED-4DB2-BD59-A6C34878D82A}">
+                    <a16:rowId xmlns:a16="http://schemas.microsoft.com/office/drawing/2014/main" val="3845704207"/>
+                  </a:ext>
+                </a:extLst>
+              </a:tr>
+              <a:tr h="372448">
+                <a:tc>
+                  <a:txBody>
+                    <a:bodyPr/>
+                    <a:lstStyle/>
+                    <a:p>
+                      <a:pPr algn="ctr" latinLnBrk="1"/>
+                      <a:r>
+                        <a:rPr lang="en-US" altLang="ko-KR" sz="1200" cap="none" spc="0" dirty="0">
+                          <a:solidFill>
+                            <a:schemeClr val="tx1"/>
+                          </a:solidFill>
+                        </a:rPr>
+                        <a:t>6</a:t>
+                      </a:r>
+                      <a:r>
+                        <a:rPr lang="ko-KR" altLang="en-US" sz="1200" cap="none" spc="0" dirty="0">
+                          <a:solidFill>
+                            <a:schemeClr val="tx1"/>
+                          </a:solidFill>
+                        </a:rPr>
+                        <a:t>주차</a:t>
                       </a:r>
                     </a:p>
                   </a:txBody>
@@ -8070,14 +8207,14 @@
                     <a:p>
                       <a:pPr algn="ctr" latinLnBrk="1"/>
                       <a:r>
-                        <a:rPr lang="en-US" altLang="ko-KR" sz="1200" b="1" cap="none" spc="0" dirty="0">
-                          <a:solidFill>
-                            <a:schemeClr val="tx1"/>
-                          </a:solidFill>
-                        </a:rPr>
-                        <a:t>100%</a:t>
-                      </a:r>
-                      <a:endParaRPr lang="ko-KR" altLang="en-US" sz="1200" b="1" cap="none" spc="0" dirty="0">
+                        <a:rPr lang="ko-KR" altLang="en-US" sz="1200" b="1" cap="none" spc="0" dirty="0">
+                          <a:solidFill>
+                            <a:schemeClr val="tx1"/>
+                          </a:solidFill>
+                        </a:rPr>
+                        <a:t>계획</a:t>
+                      </a:r>
+                      <a:endParaRPr lang="en-US" altLang="ko-KR" sz="1200" b="1" cap="none" spc="0" dirty="0">
                         <a:solidFill>
                           <a:schemeClr val="tx1"/>
                         </a:solidFill>
@@ -8108,679 +8245,7 @@
                     </a:solidFill>
                   </a:tcPr>
                 </a:tc>
-                <a:extLst>
-                  <a:ext uri="{0D108BD9-81ED-4DB2-BD59-A6C34878D82A}">
-                    <a16:rowId xmlns:a16="http://schemas.microsoft.com/office/drawing/2014/main" val="1764180668"/>
-                  </a:ext>
-                </a:extLst>
-              </a:tr>
-              <a:tr h="307908">
-                <a:tc vMerge="1">
-                  <a:txBody>
-                    <a:bodyPr/>
-                    <a:lstStyle/>
-                    <a:p>
-                      <a:pPr latinLnBrk="1"/>
-                      <a:endParaRPr lang="ko-KR" altLang="en-US"/>
-                    </a:p>
-                  </a:txBody>
-                  <a:tcPr/>
-                </a:tc>
-                <a:tc>
-                  <a:txBody>
-                    <a:bodyPr/>
-                    <a:lstStyle/>
-                    <a:p>
-                      <a:pPr algn="ctr" latinLnBrk="1"/>
-                      <a:r>
-                        <a:rPr lang="ko-KR" altLang="en-US" sz="1200" b="1" cap="none" spc="0" dirty="0">
-                          <a:solidFill>
-                            <a:schemeClr val="tx1"/>
-                          </a:solidFill>
-                        </a:rPr>
-                        <a:t>결과</a:t>
-                      </a:r>
-                      <a:endParaRPr lang="en-US" altLang="ko-KR" sz="1200" b="1" cap="none" spc="0" dirty="0">
-                        <a:solidFill>
-                          <a:schemeClr val="tx1"/>
-                        </a:solidFill>
-                      </a:endParaRPr>
-                    </a:p>
-                  </a:txBody>
-                  <a:tcPr marL="67757" marR="67757" marT="67757" marB="67757" anchor="ctr">
-                    <a:lnL w="12700" cmpd="sng">
-                      <a:noFill/>
-                      <a:prstDash val="solid"/>
-                    </a:lnL>
-                    <a:lnR w="12700" cmpd="sng">
-                      <a:noFill/>
-                      <a:prstDash val="solid"/>
-                    </a:lnR>
-                    <a:lnT w="12700" cmpd="sng">
-                      <a:noFill/>
-                      <a:prstDash val="solid"/>
-                    </a:lnT>
-                    <a:lnB w="12700" cmpd="sng">
-                      <a:noFill/>
-                      <a:prstDash val="solid"/>
-                    </a:lnB>
-                    <a:solidFill>
-                      <a:schemeClr val="bg1">
-                        <a:lumMod val="85000"/>
-                      </a:schemeClr>
-                    </a:solidFill>
-                  </a:tcPr>
-                </a:tc>
-                <a:tc>
-                  <a:txBody>
-                    <a:bodyPr/>
-                    <a:lstStyle/>
-                    <a:p>
-                      <a:pPr algn="l" latinLnBrk="1"/>
-                      <a:r>
-                        <a:rPr lang="ko-KR" altLang="en-US" sz="1100" cap="none" spc="0" dirty="0">
-                          <a:solidFill>
-                            <a:schemeClr val="tx1"/>
-                          </a:solidFill>
-                        </a:rPr>
-                        <a:t>구현</a:t>
-                      </a:r>
-                      <a:endParaRPr lang="en-US" altLang="ko-KR" sz="1100" cap="none" spc="0" dirty="0">
-                        <a:solidFill>
-                          <a:schemeClr val="tx1"/>
-                        </a:solidFill>
-                      </a:endParaRPr>
-                    </a:p>
-                  </a:txBody>
-                  <a:tcPr marL="67757" marR="67757" marT="67757" marB="67757" anchor="ctr">
-                    <a:lnL w="12700" cmpd="sng">
-                      <a:noFill/>
-                      <a:prstDash val="solid"/>
-                    </a:lnL>
-                    <a:lnR w="12700" cmpd="sng">
-                      <a:noFill/>
-                      <a:prstDash val="solid"/>
-                    </a:lnR>
-                    <a:lnT w="12700" cmpd="sng">
-                      <a:noFill/>
-                      <a:prstDash val="solid"/>
-                    </a:lnT>
-                    <a:lnB w="12700" cmpd="sng">
-                      <a:noFill/>
-                      <a:prstDash val="solid"/>
-                    </a:lnB>
-                    <a:solidFill>
-                      <a:schemeClr val="bg1">
-                        <a:lumMod val="85000"/>
-                      </a:schemeClr>
-                    </a:solidFill>
-                  </a:tcPr>
-                </a:tc>
-                <a:tc vMerge="1">
-                  <a:txBody>
-                    <a:bodyPr/>
-                    <a:lstStyle/>
-                    <a:p>
-                      <a:pPr latinLnBrk="1"/>
-                      <a:endParaRPr lang="ko-KR" altLang="en-US" dirty="0"/>
-                    </a:p>
-                  </a:txBody>
-                  <a:tcPr/>
-                </a:tc>
-                <a:extLst>
-                  <a:ext uri="{0D108BD9-81ED-4DB2-BD59-A6C34878D82A}">
-                    <a16:rowId xmlns:a16="http://schemas.microsoft.com/office/drawing/2014/main" val="822024180"/>
-                  </a:ext>
-                </a:extLst>
-              </a:tr>
-              <a:tr h="307908">
                 <a:tc rowSpan="2">
-                  <a:txBody>
-                    <a:bodyPr/>
-                    <a:lstStyle/>
-                    <a:p>
-                      <a:pPr algn="ctr" latinLnBrk="1"/>
-                      <a:r>
-                        <a:rPr lang="en-US" altLang="ko-KR" sz="1200" cap="none" spc="0" dirty="0">
-                          <a:solidFill>
-                            <a:schemeClr val="tx1"/>
-                          </a:solidFill>
-                        </a:rPr>
-                        <a:t>5</a:t>
-                      </a:r>
-                      <a:r>
-                        <a:rPr lang="ko-KR" altLang="en-US" sz="1200" cap="none" spc="0" dirty="0">
-                          <a:solidFill>
-                            <a:schemeClr val="tx1"/>
-                          </a:solidFill>
-                        </a:rPr>
-                        <a:t>주차</a:t>
-                      </a:r>
-                    </a:p>
-                  </a:txBody>
-                  <a:tcPr marL="67757" marR="67757" marT="67757" marB="67757" anchor="ctr">
-                    <a:lnL w="12700" cmpd="sng">
-                      <a:noFill/>
-                      <a:prstDash val="solid"/>
-                    </a:lnL>
-                    <a:lnR w="12700" cmpd="sng">
-                      <a:noFill/>
-                      <a:prstDash val="solid"/>
-                    </a:lnR>
-                    <a:lnT w="12700" cmpd="sng">
-                      <a:noFill/>
-                      <a:prstDash val="solid"/>
-                    </a:lnT>
-                    <a:lnB w="12700" cmpd="sng">
-                      <a:noFill/>
-                      <a:prstDash val="solid"/>
-                    </a:lnB>
-                    <a:solidFill>
-                      <a:srgbClr val="F7F7F7"/>
-                    </a:solidFill>
-                  </a:tcPr>
-                </a:tc>
-                <a:tc>
-                  <a:txBody>
-                    <a:bodyPr/>
-                    <a:lstStyle/>
-                    <a:p>
-                      <a:pPr algn="ctr" latinLnBrk="1"/>
-                      <a:r>
-                        <a:rPr lang="ko-KR" altLang="en-US" sz="1200" b="1" cap="none" spc="0" dirty="0">
-                          <a:solidFill>
-                            <a:schemeClr val="tx1"/>
-                          </a:solidFill>
-                        </a:rPr>
-                        <a:t>계획</a:t>
-                      </a:r>
-                      <a:endParaRPr lang="en-US" altLang="ko-KR" sz="1200" b="1" cap="none" spc="0" dirty="0">
-                        <a:solidFill>
-                          <a:schemeClr val="tx1"/>
-                        </a:solidFill>
-                      </a:endParaRPr>
-                    </a:p>
-                  </a:txBody>
-                  <a:tcPr marL="67757" marR="67757" marT="67757" marB="67757" anchor="ctr">
-                    <a:lnL w="12700" cmpd="sng">
-                      <a:noFill/>
-                      <a:prstDash val="solid"/>
-                    </a:lnL>
-                    <a:lnR w="12700" cmpd="sng">
-                      <a:noFill/>
-                      <a:prstDash val="solid"/>
-                    </a:lnR>
-                    <a:lnT w="12700" cmpd="sng">
-                      <a:noFill/>
-                      <a:prstDash val="solid"/>
-                    </a:lnT>
-                    <a:lnB w="12700" cmpd="sng">
-                      <a:noFill/>
-                      <a:prstDash val="solid"/>
-                    </a:lnB>
-                    <a:solidFill>
-                      <a:srgbClr val="F7F7F7"/>
-                    </a:solidFill>
-                  </a:tcPr>
-                </a:tc>
-                <a:tc>
-                  <a:txBody>
-                    <a:bodyPr/>
-                    <a:lstStyle/>
-                    <a:p>
-                      <a:pPr latinLnBrk="1"/>
-                      <a:r>
-                        <a:rPr lang="ko-KR" altLang="en-US" sz="1200" cap="none" spc="0" dirty="0" err="1">
-                          <a:solidFill>
-                            <a:schemeClr val="tx1"/>
-                          </a:solidFill>
-                        </a:rPr>
-                        <a:t>마리오</a:t>
-                      </a:r>
-                      <a:r>
-                        <a:rPr lang="ko-KR" altLang="en-US" sz="1200" cap="none" spc="0" dirty="0">
-                          <a:solidFill>
-                            <a:schemeClr val="tx1"/>
-                          </a:solidFill>
-                        </a:rPr>
-                        <a:t> </a:t>
-                      </a:r>
-                      <a:r>
-                        <a:rPr lang="en-US" altLang="ko-KR" sz="1200" cap="none" spc="0" dirty="0">
-                          <a:solidFill>
-                            <a:schemeClr val="tx1"/>
-                          </a:solidFill>
-                        </a:rPr>
-                        <a:t>– </a:t>
-                      </a:r>
-                      <a:r>
-                        <a:rPr lang="ko-KR" altLang="en-US" sz="1200" cap="none" spc="0" dirty="0">
-                          <a:solidFill>
-                            <a:schemeClr val="tx1"/>
-                          </a:solidFill>
-                        </a:rPr>
-                        <a:t>몬스터 충돌</a:t>
-                      </a:r>
-                      <a:r>
-                        <a:rPr lang="en-US" altLang="ko-KR" sz="1200" cap="none" spc="0" dirty="0">
-                          <a:solidFill>
-                            <a:schemeClr val="tx1"/>
-                          </a:solidFill>
-                        </a:rPr>
-                        <a:t>, </a:t>
-                      </a:r>
-                      <a:r>
-                        <a:rPr lang="ko-KR" altLang="en-US" sz="1200" cap="none" spc="0" dirty="0">
-                          <a:solidFill>
-                            <a:schemeClr val="tx1"/>
-                          </a:solidFill>
-                        </a:rPr>
-                        <a:t>아이템</a:t>
-                      </a:r>
-                      <a:r>
-                        <a:rPr lang="en-US" altLang="ko-KR" sz="1200" cap="none" spc="0" dirty="0">
-                          <a:solidFill>
-                            <a:schemeClr val="tx1"/>
-                          </a:solidFill>
-                        </a:rPr>
-                        <a:t>(</a:t>
-                      </a:r>
-                      <a:r>
-                        <a:rPr lang="ko-KR" altLang="en-US" sz="1200" cap="none" spc="0" dirty="0">
-                          <a:solidFill>
-                            <a:schemeClr val="tx1"/>
-                          </a:solidFill>
-                        </a:rPr>
-                        <a:t>버섯</a:t>
-                      </a:r>
-                      <a:r>
-                        <a:rPr lang="en-US" altLang="ko-KR" sz="1200" cap="none" spc="0" dirty="0">
-                          <a:solidFill>
-                            <a:schemeClr val="tx1"/>
-                          </a:solidFill>
-                        </a:rPr>
-                        <a:t>, </a:t>
-                      </a:r>
-                      <a:r>
-                        <a:rPr lang="ko-KR" altLang="en-US" sz="1200" cap="none" spc="0" dirty="0">
-                          <a:solidFill>
-                            <a:schemeClr val="tx1"/>
-                          </a:solidFill>
-                        </a:rPr>
-                        <a:t>꽃</a:t>
-                      </a:r>
-                      <a:r>
-                        <a:rPr lang="en-US" altLang="ko-KR" sz="1200" cap="none" spc="0" dirty="0">
-                          <a:solidFill>
-                            <a:schemeClr val="tx1"/>
-                          </a:solidFill>
-                        </a:rPr>
-                        <a:t>) </a:t>
-                      </a:r>
-                      <a:r>
-                        <a:rPr lang="ko-KR" altLang="en-US" sz="1200" cap="none" spc="0" dirty="0">
-                          <a:solidFill>
-                            <a:schemeClr val="tx1"/>
-                          </a:solidFill>
-                        </a:rPr>
-                        <a:t>추가</a:t>
-                      </a:r>
-                      <a:r>
-                        <a:rPr lang="en-US" altLang="ko-KR" sz="1200" cap="none" spc="0" dirty="0">
-                          <a:solidFill>
-                            <a:schemeClr val="tx1"/>
-                          </a:solidFill>
-                        </a:rPr>
-                        <a:t>, </a:t>
-                      </a:r>
-                      <a:r>
-                        <a:rPr lang="ko-KR" altLang="en-US" sz="1200" cap="none" spc="0" dirty="0">
-                          <a:solidFill>
-                            <a:schemeClr val="tx1"/>
-                          </a:solidFill>
-                        </a:rPr>
-                        <a:t>이벤트</a:t>
-                      </a:r>
-                      <a:r>
-                        <a:rPr lang="en-US" altLang="ko-KR" sz="1200" cap="none" spc="0" dirty="0">
-                          <a:solidFill>
-                            <a:schemeClr val="tx1"/>
-                          </a:solidFill>
-                        </a:rPr>
-                        <a:t>(</a:t>
-                      </a:r>
-                      <a:r>
-                        <a:rPr lang="ko-KR" altLang="en-US" sz="1200" cap="none" spc="0" dirty="0">
-                          <a:solidFill>
-                            <a:schemeClr val="tx1"/>
-                          </a:solidFill>
-                        </a:rPr>
-                        <a:t>목숨</a:t>
-                      </a:r>
-                      <a:r>
-                        <a:rPr lang="en-US" altLang="ko-KR" sz="1200" cap="none" spc="0" dirty="0">
-                          <a:solidFill>
-                            <a:schemeClr val="tx1"/>
-                          </a:solidFill>
-                        </a:rPr>
-                        <a:t>, </a:t>
-                      </a:r>
-                      <a:r>
-                        <a:rPr lang="ko-KR" altLang="en-US" sz="1200" cap="none" spc="0" dirty="0">
-                          <a:solidFill>
-                            <a:schemeClr val="tx1"/>
-                          </a:solidFill>
-                        </a:rPr>
-                        <a:t>동전</a:t>
-                      </a:r>
-                      <a:r>
-                        <a:rPr lang="en-US" altLang="ko-KR" sz="1200" cap="none" spc="0" dirty="0">
-                          <a:solidFill>
-                            <a:schemeClr val="tx1"/>
-                          </a:solidFill>
-                        </a:rPr>
-                        <a:t> </a:t>
-                      </a:r>
-                      <a:r>
-                        <a:rPr lang="ko-KR" altLang="en-US" sz="1200" cap="none" spc="0" dirty="0">
-                          <a:solidFill>
-                            <a:schemeClr val="tx1"/>
-                          </a:solidFill>
-                        </a:rPr>
-                        <a:t>등</a:t>
-                      </a:r>
-                      <a:r>
-                        <a:rPr lang="en-US" altLang="ko-KR" sz="1200" cap="none" spc="0" dirty="0">
-                          <a:solidFill>
-                            <a:schemeClr val="tx1"/>
-                          </a:solidFill>
-                        </a:rPr>
-                        <a:t>) </a:t>
-                      </a:r>
-                      <a:r>
-                        <a:rPr lang="ko-KR" altLang="en-US" sz="1200" cap="none" spc="0" dirty="0">
-                          <a:solidFill>
-                            <a:schemeClr val="tx1"/>
-                          </a:solidFill>
-                        </a:rPr>
-                        <a:t>추가</a:t>
-                      </a:r>
-                      <a:endParaRPr lang="ko-KR" altLang="en-US" sz="1400" dirty="0"/>
-                    </a:p>
-                  </a:txBody>
-                  <a:tcPr marL="67757" marR="67757" marT="67757" marB="67757" anchor="ctr">
-                    <a:lnL w="12700" cmpd="sng">
-                      <a:noFill/>
-                      <a:prstDash val="solid"/>
-                    </a:lnL>
-                    <a:lnR w="12700" cmpd="sng">
-                      <a:noFill/>
-                      <a:prstDash val="solid"/>
-                    </a:lnR>
-                    <a:lnT w="12700" cmpd="sng">
-                      <a:noFill/>
-                      <a:prstDash val="solid"/>
-                    </a:lnT>
-                    <a:lnB w="12700" cmpd="sng">
-                      <a:noFill/>
-                      <a:prstDash val="solid"/>
-                    </a:lnB>
-                    <a:solidFill>
-                      <a:srgbClr val="F7F7F7"/>
-                    </a:solidFill>
-                  </a:tcPr>
-                </a:tc>
-                <a:tc rowSpan="2">
-                  <a:txBody>
-                    <a:bodyPr/>
-                    <a:lstStyle/>
-                    <a:p>
-                      <a:pPr algn="ctr" latinLnBrk="1"/>
-                      <a:r>
-                        <a:rPr lang="en-US" altLang="ko-KR" sz="1200" b="1" dirty="0"/>
-                        <a:t>100%</a:t>
-                      </a:r>
-                      <a:endParaRPr lang="ko-KR" altLang="en-US" sz="1200" b="1" dirty="0"/>
-                    </a:p>
-                  </a:txBody>
-                  <a:tcPr marL="67757" marR="67757" marT="67757" marB="67757" anchor="ctr">
-                    <a:lnL w="12700" cmpd="sng">
-                      <a:noFill/>
-                      <a:prstDash val="solid"/>
-                    </a:lnL>
-                    <a:lnR w="12700" cmpd="sng">
-                      <a:noFill/>
-                      <a:prstDash val="solid"/>
-                    </a:lnR>
-                    <a:lnT w="12700" cmpd="sng">
-                      <a:noFill/>
-                      <a:prstDash val="solid"/>
-                    </a:lnT>
-                    <a:lnB w="12700" cmpd="sng">
-                      <a:noFill/>
-                      <a:prstDash val="solid"/>
-                    </a:lnB>
-                    <a:solidFill>
-                      <a:srgbClr val="F7F7F7"/>
-                    </a:solidFill>
-                  </a:tcPr>
-                </a:tc>
-                <a:extLst>
-                  <a:ext uri="{0D108BD9-81ED-4DB2-BD59-A6C34878D82A}">
-                    <a16:rowId xmlns:a16="http://schemas.microsoft.com/office/drawing/2014/main" val="3845704207"/>
-                  </a:ext>
-                </a:extLst>
-              </a:tr>
-              <a:tr h="307908">
-                <a:tc vMerge="1">
-                  <a:txBody>
-                    <a:bodyPr/>
-                    <a:lstStyle/>
-                    <a:p>
-                      <a:pPr latinLnBrk="1"/>
-                      <a:endParaRPr lang="ko-KR" altLang="en-US"/>
-                    </a:p>
-                  </a:txBody>
-                  <a:tcPr/>
-                </a:tc>
-                <a:tc>
-                  <a:txBody>
-                    <a:bodyPr/>
-                    <a:lstStyle/>
-                    <a:p>
-                      <a:pPr algn="ctr" latinLnBrk="1"/>
-                      <a:r>
-                        <a:rPr lang="ko-KR" altLang="en-US" sz="1200" b="1" cap="none" spc="0" dirty="0">
-                          <a:solidFill>
-                            <a:schemeClr val="tx1"/>
-                          </a:solidFill>
-                        </a:rPr>
-                        <a:t>결과</a:t>
-                      </a:r>
-                      <a:endParaRPr lang="en-US" altLang="ko-KR" sz="1200" b="1" cap="none" spc="0" dirty="0">
-                        <a:solidFill>
-                          <a:schemeClr val="tx1"/>
-                        </a:solidFill>
-                      </a:endParaRPr>
-                    </a:p>
-                  </a:txBody>
-                  <a:tcPr marL="67757" marR="67757" marT="67757" marB="67757" anchor="ctr">
-                    <a:lnL w="12700" cmpd="sng">
-                      <a:noFill/>
-                      <a:prstDash val="solid"/>
-                    </a:lnL>
-                    <a:lnR w="12700" cmpd="sng">
-                      <a:noFill/>
-                      <a:prstDash val="solid"/>
-                    </a:lnR>
-                    <a:lnT w="12700" cmpd="sng">
-                      <a:noFill/>
-                      <a:prstDash val="solid"/>
-                    </a:lnT>
-                    <a:lnB w="12700" cmpd="sng">
-                      <a:noFill/>
-                      <a:prstDash val="solid"/>
-                    </a:lnB>
-                    <a:solidFill>
-                      <a:srgbClr val="F7F7F7"/>
-                    </a:solidFill>
-                  </a:tcPr>
-                </a:tc>
-                <a:tc>
-                  <a:txBody>
-                    <a:bodyPr/>
-                    <a:lstStyle/>
-                    <a:p>
-                      <a:pPr algn="l" latinLnBrk="1"/>
-                      <a:r>
-                        <a:rPr lang="ko-KR" altLang="en-US" sz="1100" cap="none" spc="0" dirty="0">
-                          <a:solidFill>
-                            <a:schemeClr val="tx1"/>
-                          </a:solidFill>
-                        </a:rPr>
-                        <a:t>구현</a:t>
-                      </a:r>
-                      <a:endParaRPr lang="en-US" altLang="ko-KR" sz="1100" cap="none" spc="0" dirty="0">
-                        <a:solidFill>
-                          <a:schemeClr val="tx1"/>
-                        </a:solidFill>
-                      </a:endParaRPr>
-                    </a:p>
-                  </a:txBody>
-                  <a:tcPr marL="67757" marR="67757" marT="67757" marB="67757" anchor="ctr">
-                    <a:lnL w="12700" cmpd="sng">
-                      <a:noFill/>
-                      <a:prstDash val="solid"/>
-                    </a:lnL>
-                    <a:lnR w="12700" cmpd="sng">
-                      <a:noFill/>
-                      <a:prstDash val="solid"/>
-                    </a:lnR>
-                    <a:lnT w="12700" cmpd="sng">
-                      <a:noFill/>
-                      <a:prstDash val="solid"/>
-                    </a:lnT>
-                    <a:lnB w="12700" cmpd="sng">
-                      <a:noFill/>
-                      <a:prstDash val="solid"/>
-                    </a:lnB>
-                    <a:solidFill>
-                      <a:srgbClr val="F7F7F7"/>
-                    </a:solidFill>
-                  </a:tcPr>
-                </a:tc>
-                <a:tc vMerge="1">
-                  <a:txBody>
-                    <a:bodyPr/>
-                    <a:lstStyle/>
-                    <a:p>
-                      <a:pPr latinLnBrk="1"/>
-                      <a:endParaRPr lang="ko-KR" altLang="en-US"/>
-                    </a:p>
-                  </a:txBody>
-                  <a:tcPr/>
-                </a:tc>
-                <a:extLst>
-                  <a:ext uri="{0D108BD9-81ED-4DB2-BD59-A6C34878D82A}">
-                    <a16:rowId xmlns:a16="http://schemas.microsoft.com/office/drawing/2014/main" val="2238251084"/>
-                  </a:ext>
-                </a:extLst>
-              </a:tr>
-              <a:tr h="307908">
-                <a:tc>
-                  <a:txBody>
-                    <a:bodyPr/>
-                    <a:lstStyle/>
-                    <a:p>
-                      <a:pPr algn="ctr" latinLnBrk="1"/>
-                      <a:r>
-                        <a:rPr lang="en-US" altLang="ko-KR" sz="1200" cap="none" spc="0" dirty="0">
-                          <a:solidFill>
-                            <a:schemeClr val="tx1"/>
-                          </a:solidFill>
-                        </a:rPr>
-                        <a:t>6</a:t>
-                      </a:r>
-                      <a:r>
-                        <a:rPr lang="ko-KR" altLang="en-US" sz="1200" cap="none" spc="0" dirty="0">
-                          <a:solidFill>
-                            <a:schemeClr val="tx1"/>
-                          </a:solidFill>
-                        </a:rPr>
-                        <a:t>주차</a:t>
-                      </a:r>
-                    </a:p>
-                  </a:txBody>
-                  <a:tcPr marL="67757" marR="67757" marT="67757" marB="67757" anchor="ctr">
-                    <a:lnL w="12700" cmpd="sng">
-                      <a:noFill/>
-                      <a:prstDash val="solid"/>
-                    </a:lnL>
-                    <a:lnR w="12700" cmpd="sng">
-                      <a:noFill/>
-                      <a:prstDash val="solid"/>
-                    </a:lnR>
-                    <a:lnT w="12700" cmpd="sng">
-                      <a:noFill/>
-                      <a:prstDash val="solid"/>
-                    </a:lnT>
-                    <a:lnB w="12700" cmpd="sng">
-                      <a:noFill/>
-                      <a:prstDash val="solid"/>
-                    </a:lnB>
-                    <a:solidFill>
-                      <a:schemeClr val="bg1">
-                        <a:lumMod val="85000"/>
-                      </a:schemeClr>
-                    </a:solidFill>
-                  </a:tcPr>
-                </a:tc>
-                <a:tc>
-                  <a:txBody>
-                    <a:bodyPr/>
-                    <a:lstStyle/>
-                    <a:p>
-                      <a:pPr algn="ctr" latinLnBrk="1"/>
-                      <a:r>
-                        <a:rPr lang="ko-KR" altLang="en-US" sz="1200" b="1" cap="none" spc="0" dirty="0">
-                          <a:solidFill>
-                            <a:schemeClr val="tx1"/>
-                          </a:solidFill>
-                        </a:rPr>
-                        <a:t>계획</a:t>
-                      </a:r>
-                      <a:endParaRPr lang="en-US" altLang="ko-KR" sz="1200" b="1" cap="none" spc="0" dirty="0">
-                        <a:solidFill>
-                          <a:schemeClr val="tx1"/>
-                        </a:solidFill>
-                      </a:endParaRPr>
-                    </a:p>
-                  </a:txBody>
-                  <a:tcPr marL="67757" marR="67757" marT="67757" marB="67757" anchor="ctr">
-                    <a:lnL w="12700" cmpd="sng">
-                      <a:noFill/>
-                      <a:prstDash val="solid"/>
-                    </a:lnL>
-                    <a:lnR w="12700" cmpd="sng">
-                      <a:noFill/>
-                      <a:prstDash val="solid"/>
-                    </a:lnR>
-                    <a:lnT w="12700" cmpd="sng">
-                      <a:noFill/>
-                      <a:prstDash val="solid"/>
-                    </a:lnT>
-                    <a:lnB w="12700" cmpd="sng">
-                      <a:noFill/>
-                      <a:prstDash val="solid"/>
-                    </a:lnB>
-                    <a:solidFill>
-                      <a:schemeClr val="bg1">
-                        <a:lumMod val="85000"/>
-                      </a:schemeClr>
-                    </a:solidFill>
-                  </a:tcPr>
-                </a:tc>
-                <a:tc>
                   <a:txBody>
                     <a:bodyPr/>
                     <a:lstStyle/>
@@ -8817,7 +8282,7 @@
                           <a:ea typeface="맑은 고딕" panose="020B0503020000020004" pitchFamily="50" charset="-127"/>
                           <a:cs typeface="+mn-cs"/>
                         </a:rPr>
-                        <a:t>타일 부서지는 이펙트 추가</a:t>
+                        <a:t>각종 이벤트 추가</a:t>
                       </a:r>
                       <a:r>
                         <a:rPr kumimoji="0" lang="en-US" altLang="ko-KR" sz="1200" b="0" i="0" u="none" strike="noStrike" kern="1200" cap="none" spc="0" normalizeH="0" baseline="0" noProof="0" dirty="0">
@@ -8834,7 +8299,7 @@
                           <a:ea typeface="맑은 고딕" panose="020B0503020000020004" pitchFamily="50" charset="-127"/>
                           <a:cs typeface="+mn-cs"/>
                         </a:rPr>
-                        <a:t>, </a:t>
+                        <a:t>,</a:t>
                       </a:r>
                       <a:r>
                         <a:rPr kumimoji="0" lang="ko-KR" altLang="en-US" sz="1200" b="0" i="0" u="none" strike="noStrike" kern="1200" cap="none" spc="0" normalizeH="0" baseline="0" noProof="0" dirty="0">
@@ -8851,75 +8316,7 @@
                           <a:ea typeface="맑은 고딕" panose="020B0503020000020004" pitchFamily="50" charset="-127"/>
                           <a:cs typeface="+mn-cs"/>
                         </a:rPr>
-                        <a:t>각종 이벤트 추가</a:t>
-                      </a:r>
-                      <a:r>
-                        <a:rPr kumimoji="0" lang="en-US" altLang="ko-KR" sz="1200" b="0" i="0" u="none" strike="noStrike" kern="1200" cap="none" spc="0" normalizeH="0" baseline="0" noProof="0" dirty="0">
-                          <a:ln>
-                            <a:noFill/>
-                          </a:ln>
-                          <a:solidFill>
-                            <a:prstClr val="black"/>
-                          </a:solidFill>
-                          <a:effectLst/>
-                          <a:uLnTx/>
-                          <a:uFillTx/>
-                          <a:latin typeface="맑은 고딕" panose="020F0502020204030204"/>
-                          <a:ea typeface="맑은 고딕" panose="020B0503020000020004" pitchFamily="50" charset="-127"/>
-                          <a:cs typeface="+mn-cs"/>
-                        </a:rPr>
-                        <a:t>,</a:t>
-                      </a:r>
-                      <a:r>
-                        <a:rPr kumimoji="0" lang="ko-KR" altLang="en-US" sz="1200" b="0" i="0" u="none" strike="noStrike" kern="1200" cap="none" spc="0" normalizeH="0" baseline="0" noProof="0" dirty="0">
-                          <a:ln>
-                            <a:noFill/>
-                          </a:ln>
-                          <a:solidFill>
-                            <a:prstClr val="black"/>
-                          </a:solidFill>
-                          <a:effectLst/>
-                          <a:uLnTx/>
-                          <a:uFillTx/>
-                          <a:latin typeface="맑은 고딕" panose="020F0502020204030204"/>
-                          <a:ea typeface="맑은 고딕" panose="020B0503020000020004" pitchFamily="50" charset="-127"/>
-                          <a:cs typeface="+mn-cs"/>
-                        </a:rPr>
-                        <a:t> 맵 제작</a:t>
-                      </a:r>
-                      <a:r>
-                        <a:rPr kumimoji="0" lang="en-US" altLang="ko-KR" sz="1200" b="0" i="0" u="none" strike="noStrike" kern="1200" cap="none" spc="0" normalizeH="0" baseline="0" noProof="0" dirty="0">
-                          <a:ln>
-                            <a:noFill/>
-                          </a:ln>
-                          <a:solidFill>
-                            <a:prstClr val="black"/>
-                          </a:solidFill>
-                          <a:effectLst/>
-                          <a:uLnTx/>
-                          <a:uFillTx/>
-                          <a:latin typeface="맑은 고딕" panose="020F0502020204030204"/>
-                          <a:ea typeface="맑은 고딕" panose="020B0503020000020004" pitchFamily="50" charset="-127"/>
-                          <a:cs typeface="+mn-cs"/>
-                        </a:rPr>
-                        <a:t>, </a:t>
-                      </a:r>
-                      <a:r>
-                        <a:rPr kumimoji="0" lang="ko-KR" altLang="en-US" sz="1200" b="0" i="0" u="none" strike="noStrike" kern="1200" cap="none" spc="0" normalizeH="0" baseline="0" noProof="0" dirty="0">
-                          <a:ln>
-                            <a:noFill/>
-                          </a:ln>
-                          <a:solidFill>
-                            <a:prstClr val="black"/>
-                          </a:solidFill>
-                          <a:effectLst/>
-                          <a:uLnTx/>
-                          <a:uFillTx/>
-                          <a:latin typeface="맑은 고딕" panose="020F0502020204030204"/>
-                          <a:ea typeface="맑은 고딕" panose="020B0503020000020004" pitchFamily="50" charset="-127"/>
-                          <a:cs typeface="+mn-cs"/>
-                        </a:rPr>
-                        <a:t>스크롤링</a:t>
+                        <a:t> 스크롤링</a:t>
                       </a:r>
                       <a:endParaRPr kumimoji="0" lang="ko-KR" altLang="en-US" sz="1400" b="0" i="0" u="none" strike="noStrike" kern="1200" cap="none" spc="0" normalizeH="0" baseline="0" noProof="0" dirty="0">
                         <a:ln>
@@ -8950,6 +8347,39 @@
                       <a:noFill/>
                       <a:prstDash val="solid"/>
                     </a:lnT>
+                    <a:solidFill>
+                      <a:schemeClr val="bg1">
+                        <a:lumMod val="85000"/>
+                      </a:schemeClr>
+                    </a:solidFill>
+                  </a:tcPr>
+                </a:tc>
+                <a:tc rowSpan="2">
+                  <a:txBody>
+                    <a:bodyPr/>
+                    <a:lstStyle/>
+                    <a:p>
+                      <a:pPr algn="ctr" latinLnBrk="1"/>
+                      <a:r>
+                        <a:rPr lang="en-US" altLang="ko-KR" sz="1200" b="1" dirty="0"/>
+                        <a:t>20%</a:t>
+                      </a:r>
+                      <a:endParaRPr lang="ko-KR" altLang="en-US" sz="1200" b="1" dirty="0"/>
+                    </a:p>
+                  </a:txBody>
+                  <a:tcPr marL="67757" marR="67757" marT="67757" marB="67757" anchor="ctr">
+                    <a:lnL w="12700" cmpd="sng">
+                      <a:noFill/>
+                      <a:prstDash val="solid"/>
+                    </a:lnL>
+                    <a:lnR w="12700" cmpd="sng">
+                      <a:noFill/>
+                      <a:prstDash val="solid"/>
+                    </a:lnR>
+                    <a:lnT w="12700" cmpd="sng">
+                      <a:noFill/>
+                      <a:prstDash val="solid"/>
+                    </a:lnT>
                     <a:lnB w="12700" cmpd="sng">
                       <a:noFill/>
                       <a:prstDash val="solid"/>
@@ -8961,50 +8391,13 @@
                     </a:solidFill>
                   </a:tcPr>
                 </a:tc>
-                <a:tc rowSpan="2">
-                  <a:txBody>
-                    <a:bodyPr/>
-                    <a:lstStyle/>
-                    <a:p>
-                      <a:pPr algn="ctr" latinLnBrk="1"/>
-                      <a:r>
-                        <a:rPr lang="en-US" altLang="ko-KR" sz="1200" b="1" dirty="0"/>
-                        <a:t>0%</a:t>
-                      </a:r>
-                      <a:endParaRPr lang="ko-KR" altLang="en-US" sz="1200" b="1" dirty="0"/>
-                    </a:p>
-                  </a:txBody>
-                  <a:tcPr marL="67757" marR="67757" marT="67757" marB="67757" anchor="ctr">
-                    <a:lnL w="12700" cmpd="sng">
-                      <a:noFill/>
-                      <a:prstDash val="solid"/>
-                    </a:lnL>
-                    <a:lnR w="12700" cmpd="sng">
-                      <a:noFill/>
-                      <a:prstDash val="solid"/>
-                    </a:lnR>
-                    <a:lnT w="12700" cmpd="sng">
-                      <a:noFill/>
-                      <a:prstDash val="solid"/>
-                    </a:lnT>
-                    <a:lnB w="12700" cmpd="sng">
-                      <a:noFill/>
-                      <a:prstDash val="solid"/>
-                    </a:lnB>
-                    <a:solidFill>
-                      <a:schemeClr val="bg1">
-                        <a:lumMod val="85000"/>
-                      </a:schemeClr>
-                    </a:solidFill>
-                  </a:tcPr>
-                </a:tc>
                 <a:extLst>
                   <a:ext uri="{0D108BD9-81ED-4DB2-BD59-A6C34878D82A}">
                     <a16:rowId xmlns:a16="http://schemas.microsoft.com/office/drawing/2014/main" val="2935067129"/>
                   </a:ext>
                 </a:extLst>
               </a:tr>
-              <a:tr h="307908">
+              <a:tr h="372448">
                 <a:tc>
                   <a:txBody>
                     <a:bodyPr/>
@@ -9051,20 +8444,12 @@
                     </a:solidFill>
                   </a:tcPr>
                 </a:tc>
-                <a:tc>
+                <a:tc vMerge="1">
                   <a:txBody>
                     <a:bodyPr/>
                     <a:lstStyle/>
                     <a:p>
                       <a:pPr algn="ctr" latinLnBrk="1"/>
-                      <a:r>
-                        <a:rPr lang="ko-KR" altLang="en-US" sz="1200" b="1" cap="none" spc="0" dirty="0">
-                          <a:solidFill>
-                            <a:schemeClr val="tx1"/>
-                          </a:solidFill>
-                        </a:rPr>
-                        <a:t>결과</a:t>
-                      </a:r>
                       <a:endParaRPr lang="en-US" altLang="ko-KR" sz="1200" b="1" cap="none" spc="0" dirty="0">
                         <a:solidFill>
                           <a:schemeClr val="tx1"/>
@@ -9094,7 +8479,7 @@
                     </a:solidFill>
                   </a:tcPr>
                 </a:tc>
-                <a:tc>
+                <a:tc vMerge="1">
                   <a:txBody>
                     <a:bodyPr/>
                     <a:lstStyle/>
@@ -9116,23 +8501,6 @@
                         <a:tabLst/>
                         <a:defRPr/>
                       </a:pPr>
-                      <a:r>
-                        <a:rPr kumimoji="0" lang="ko-KR" altLang="en-US" sz="1100" b="0" i="0" u="none" strike="noStrike" kern="1200" cap="none" spc="0" normalizeH="0" baseline="0" noProof="0" dirty="0" err="1">
-                          <a:ln>
-                            <a:noFill/>
-                          </a:ln>
-                          <a:solidFill>
-                            <a:prstClr val="black"/>
-                          </a:solidFill>
-                          <a:effectLst/>
-                          <a:uLnTx/>
-                          <a:uFillTx/>
-                          <a:latin typeface="맑은 고딕" panose="020F0502020204030204"/>
-                          <a:ea typeface="맑은 고딕" panose="020B0503020000020004" pitchFamily="50" charset="-127"/>
-                          <a:cs typeface="+mn-cs"/>
-                        </a:rPr>
-                        <a:t>미구현</a:t>
-                      </a:r>
                       <a:endParaRPr kumimoji="0" lang="ko-KR" altLang="en-US" sz="1100" b="0" i="0" u="none" strike="noStrike" kern="1200" cap="none" spc="0" normalizeH="0" baseline="0" noProof="0" dirty="0">
                         <a:ln>
                           <a:noFill/>
@@ -9198,15 +8566,15 @@
                   </a:ext>
                 </a:extLst>
               </a:tr>
-              <a:tr h="307908">
-                <a:tc rowSpan="2">
+              <a:tr h="408103">
+                <a:tc>
                   <a:txBody>
                     <a:bodyPr/>
                     <a:lstStyle/>
                     <a:p>
                       <a:pPr algn="ctr" latinLnBrk="1"/>
                       <a:r>
-                        <a:rPr lang="en-US" altLang="ko-KR" sz="1200" cap="none" spc="0">
+                        <a:rPr lang="en-US" altLang="ko-KR" sz="1200" cap="none" spc="0" dirty="0">
                           <a:solidFill>
                             <a:schemeClr val="tx1"/>
                           </a:solidFill>
@@ -9214,7 +8582,7 @@
                         <a:t>8</a:t>
                       </a:r>
                       <a:r>
-                        <a:rPr lang="ko-KR" altLang="en-US" sz="1200" cap="none" spc="0">
+                        <a:rPr lang="ko-KR" altLang="en-US" sz="1200" cap="none" spc="0" dirty="0">
                           <a:solidFill>
                             <a:schemeClr val="tx1"/>
                           </a:solidFill>
@@ -9315,20 +8683,21 @@
                     <a:p>
                       <a:pPr latinLnBrk="1"/>
                       <a:r>
-                        <a:rPr lang="ko-KR" altLang="en-US" sz="1200" cap="none" spc="0" dirty="0">
-                          <a:solidFill>
-                            <a:schemeClr val="tx1"/>
-                          </a:solidFill>
-                        </a:rPr>
-                        <a:t>사운드 구현</a:t>
-                      </a:r>
-                      <a:r>
-                        <a:rPr lang="en-US" altLang="ko-KR" sz="1200" cap="none" spc="0" dirty="0">
-                          <a:solidFill>
-                            <a:schemeClr val="tx1"/>
-                          </a:solidFill>
-                        </a:rPr>
-                        <a:t>,</a:t>
+                        <a:rPr kumimoji="0" lang="ko-KR" altLang="en-US" sz="1400" b="0" i="0" u="none" strike="noStrike" kern="1200" cap="none" spc="0" normalizeH="0" baseline="0" noProof="0" dirty="0">
+                          <a:ln>
+                            <a:noFill/>
+                          </a:ln>
+                          <a:solidFill>
+                            <a:prstClr val="black"/>
+                          </a:solidFill>
+                          <a:effectLst/>
+                          <a:uLnTx/>
+                          <a:uFillTx/>
+                          <a:latin typeface="+mn-lt"/>
+                          <a:ea typeface="+mn-ea"/>
+                          <a:cs typeface="+mn-cs"/>
+                        </a:rPr>
+                        <a:t>맵 제작</a:t>
                       </a:r>
                       <a:endParaRPr lang="ko-KR" altLang="en-US" sz="1400" dirty="0"/>
                     </a:p>
@@ -9353,7 +8722,7 @@
                     </a:solidFill>
                   </a:tcPr>
                 </a:tc>
-                <a:tc rowSpan="2">
+                <a:tc>
                   <a:txBody>
                     <a:bodyPr/>
                     <a:lstStyle/>
@@ -9396,17 +8765,57 @@
                   </a:ext>
                 </a:extLst>
               </a:tr>
-              <a:tr h="307908">
-                <a:tc vMerge="1">
-                  <a:txBody>
-                    <a:bodyPr/>
-                    <a:lstStyle/>
-                    <a:p>
-                      <a:pPr latinLnBrk="1"/>
-                      <a:endParaRPr lang="ko-KR" altLang="en-US"/>
-                    </a:p>
-                  </a:txBody>
-                  <a:tcPr/>
+              <a:tr h="372448">
+                <a:tc>
+                  <a:txBody>
+                    <a:bodyPr/>
+                    <a:lstStyle/>
+                    <a:p>
+                      <a:pPr algn="ctr" latinLnBrk="1"/>
+                      <a:r>
+                        <a:rPr lang="en-US" altLang="ko-KR" sz="1200" cap="none" spc="0">
+                          <a:solidFill>
+                            <a:schemeClr val="tx1"/>
+                          </a:solidFill>
+                        </a:rPr>
+                        <a:t>9</a:t>
+                      </a:r>
+                      <a:r>
+                        <a:rPr lang="ko-KR" altLang="en-US" sz="1200" cap="none" spc="0">
+                          <a:solidFill>
+                            <a:schemeClr val="tx1"/>
+                          </a:solidFill>
+                        </a:rPr>
+                        <a:t>주차</a:t>
+                      </a:r>
+                      <a:endParaRPr lang="ko-KR" altLang="en-US" sz="1200" cap="none" spc="0" dirty="0">
+                        <a:solidFill>
+                          <a:schemeClr val="tx1"/>
+                        </a:solidFill>
+                      </a:endParaRPr>
+                    </a:p>
+                  </a:txBody>
+                  <a:tcPr marL="67757" marR="67757" marT="67757" marB="67757" anchor="ctr">
+                    <a:lnL w="12700" cmpd="sng">
+                      <a:noFill/>
+                      <a:prstDash val="solid"/>
+                    </a:lnL>
+                    <a:lnR w="12700" cmpd="sng">
+                      <a:noFill/>
+                      <a:prstDash val="solid"/>
+                    </a:lnR>
+                    <a:lnT w="12700" cmpd="sng">
+                      <a:noFill/>
+                      <a:prstDash val="solid"/>
+                    </a:lnT>
+                    <a:lnB w="12700" cmpd="sng">
+                      <a:noFill/>
+                      <a:prstDash val="solid"/>
+                    </a:lnB>
+                    <a:solidFill>
+                      <a:srgbClr val="F7F7F7"/>
+                    </a:solidFill>
+                  </a:tcPr>
                 </a:tc>
                 <a:tc>
                   <a:txBody>
@@ -9436,7 +8845,7 @@
                             <a:schemeClr val="tx1"/>
                           </a:solidFill>
                         </a:rPr>
-                        <a:t>결과</a:t>
+                        <a:t>계획</a:t>
                       </a:r>
                       <a:endParaRPr lang="en-US" altLang="ko-KR" sz="1200" b="1" cap="none" spc="0" dirty="0">
                         <a:solidFill>
@@ -9463,9 +8872,7 @@
                       <a:prstDash val="solid"/>
                     </a:lnB>
                     <a:solidFill>
-                      <a:schemeClr val="bg1">
-                        <a:lumMod val="85000"/>
-                      </a:schemeClr>
+                      <a:srgbClr val="F7F7F7"/>
                     </a:solidFill>
                   </a:tcPr>
                 </a:tc>
@@ -9476,10 +8883,30 @@
                     <a:p>
                       <a:pPr latinLnBrk="1"/>
                       <a:r>
-                        <a:rPr lang="ko-KR" altLang="en-US" sz="1200" dirty="0" err="1"/>
-                        <a:t>미구현</a:t>
-                      </a:r>
-                      <a:endParaRPr lang="ko-KR" altLang="en-US" sz="1200" dirty="0"/>
+                        <a:rPr lang="ko-KR" altLang="en-US" sz="1200" cap="none" spc="0" dirty="0">
+                          <a:solidFill>
+                            <a:schemeClr val="tx1"/>
+                          </a:solidFill>
+                        </a:rPr>
+                        <a:t>게임 저장 구현</a:t>
+                      </a:r>
+                      <a:r>
+                        <a:rPr lang="en-US" altLang="ko-KR" sz="1200" cap="none" spc="0" dirty="0">
+                          <a:solidFill>
+                            <a:schemeClr val="tx1"/>
+                          </a:solidFill>
+                        </a:rPr>
+                        <a:t>, </a:t>
+                      </a:r>
+                      <a:r>
+                        <a:rPr lang="ko-KR" altLang="en-US" sz="1200" cap="none" spc="0" dirty="0">
+                          <a:solidFill>
+                            <a:schemeClr val="tx1"/>
+                          </a:solidFill>
+                        </a:rPr>
+                        <a:t>시작 종료 화면</a:t>
+                      </a:r>
+                      <a:endParaRPr lang="ko-KR" altLang="en-US" sz="1400" dirty="0"/>
                     </a:p>
                   </a:txBody>
                   <a:tcPr marL="67757" marR="67757" marT="67757" marB="67757" anchor="ctr">
@@ -9493,84 +8920,109 @@
                     </a:lnR>
                     <a:lnT w="12700" cmpd="sng">
                       <a:noFill/>
+                      <a:prstDash val="solid"/>
                     </a:lnT>
                     <a:lnB w="12700" cmpd="sng">
                       <a:noFill/>
+                      <a:prstDash val="solid"/>
+                    </a:lnB>
+                    <a:solidFill>
+                      <a:srgbClr val="F7F7F7"/>
+                    </a:solidFill>
+                  </a:tcPr>
+                </a:tc>
+                <a:tc>
+                  <a:txBody>
+                    <a:bodyPr/>
+                    <a:lstStyle/>
+                    <a:p>
+                      <a:pPr algn="ctr" latinLnBrk="1"/>
+                      <a:r>
+                        <a:rPr lang="en-US" altLang="ko-KR" sz="1200" dirty="0"/>
+                        <a:t>0</a:t>
+                      </a:r>
+                      <a:endParaRPr lang="ko-KR" altLang="en-US" sz="1200" dirty="0"/>
+                    </a:p>
+                  </a:txBody>
+                  <a:tcPr marL="67757" marR="67757" marT="67757" marB="67757" anchor="ctr">
+                    <a:lnL w="12700" cmpd="sng">
+                      <a:noFill/>
+                      <a:prstDash val="solid"/>
+                    </a:lnL>
+                    <a:lnR w="12700" cmpd="sng">
+                      <a:noFill/>
+                      <a:prstDash val="solid"/>
+                    </a:lnR>
+                    <a:lnT w="12700" cmpd="sng">
+                      <a:noFill/>
+                      <a:prstDash val="solid"/>
+                    </a:lnT>
+                    <a:lnB w="12700" cmpd="sng">
+                      <a:noFill/>
+                      <a:prstDash val="solid"/>
+                    </a:lnB>
+                    <a:solidFill>
+                      <a:srgbClr val="F7F7F7"/>
+                    </a:solidFill>
+                  </a:tcPr>
+                </a:tc>
+                <a:extLst>
+                  <a:ext uri="{0D108BD9-81ED-4DB2-BD59-A6C34878D82A}">
+                    <a16:rowId xmlns:a16="http://schemas.microsoft.com/office/drawing/2014/main" val="1454106082"/>
+                  </a:ext>
+                </a:extLst>
+              </a:tr>
+              <a:tr h="372448">
+                <a:tc>
+                  <a:txBody>
+                    <a:bodyPr/>
+                    <a:lstStyle/>
+                    <a:p>
+                      <a:pPr algn="ctr" latinLnBrk="1"/>
+                      <a:r>
+                        <a:rPr lang="en-US" altLang="ko-KR" sz="1200" cap="none" spc="0" dirty="0">
+                          <a:solidFill>
+                            <a:schemeClr val="tx1"/>
+                          </a:solidFill>
+                        </a:rPr>
+                        <a:t>10</a:t>
+                      </a:r>
+                      <a:r>
+                        <a:rPr lang="ko-KR" altLang="en-US" sz="1200" cap="none" spc="0" dirty="0">
+                          <a:solidFill>
+                            <a:schemeClr val="tx1"/>
+                          </a:solidFill>
+                        </a:rPr>
+                        <a:t>주차</a:t>
+                      </a:r>
+                    </a:p>
+                  </a:txBody>
+                  <a:tcPr marL="67757" marR="67757" marT="67757" marB="67757" anchor="ctr">
+                    <a:lnL w="12700" cmpd="sng">
+                      <a:noFill/>
+                      <a:prstDash val="solid"/>
+                    </a:lnL>
+                    <a:lnR w="12700" cmpd="sng">
+                      <a:noFill/>
+                      <a:prstDash val="solid"/>
+                    </a:lnR>
+                    <a:lnT w="12700" cmpd="sng">
+                      <a:noFill/>
+                      <a:prstDash val="solid"/>
+                    </a:lnT>
+                    <a:lnB w="12700" cap="flat" cmpd="sng" algn="ctr">
+                      <a:solidFill>
+                        <a:schemeClr val="tx1">
+                          <a:lumMod val="50000"/>
+                          <a:lumOff val="50000"/>
+                        </a:schemeClr>
+                      </a:solidFill>
                       <a:prstDash val="solid"/>
                     </a:lnB>
                     <a:solidFill>
                       <a:schemeClr val="bg1">
                         <a:lumMod val="85000"/>
                       </a:schemeClr>
-                    </a:solidFill>
-                  </a:tcPr>
-                </a:tc>
-                <a:tc vMerge="1">
-                  <a:txBody>
-                    <a:bodyPr/>
-                    <a:lstStyle/>
-                    <a:p>
-                      <a:pPr latinLnBrk="1"/>
-                      <a:endParaRPr lang="ko-KR" altLang="en-US"/>
-                    </a:p>
-                  </a:txBody>
-                  <a:tcPr/>
-                </a:tc>
-                <a:extLst>
-                  <a:ext uri="{0D108BD9-81ED-4DB2-BD59-A6C34878D82A}">
-                    <a16:rowId xmlns:a16="http://schemas.microsoft.com/office/drawing/2014/main" val="635322282"/>
-                  </a:ext>
-                </a:extLst>
-              </a:tr>
-              <a:tr h="307908">
-                <a:tc>
-                  <a:txBody>
-                    <a:bodyPr/>
-                    <a:lstStyle/>
-                    <a:p>
-                      <a:pPr algn="ctr" latinLnBrk="1"/>
-                      <a:r>
-                        <a:rPr lang="en-US" altLang="ko-KR" sz="1200" cap="none" spc="0">
-                          <a:solidFill>
-                            <a:schemeClr val="tx1"/>
-                          </a:solidFill>
-                        </a:rPr>
-                        <a:t>9</a:t>
-                      </a:r>
-                      <a:r>
-                        <a:rPr lang="ko-KR" altLang="en-US" sz="1200" cap="none" spc="0">
-                          <a:solidFill>
-                            <a:schemeClr val="tx1"/>
-                          </a:solidFill>
-                        </a:rPr>
-                        <a:t>주차</a:t>
-                      </a:r>
-                      <a:endParaRPr lang="ko-KR" altLang="en-US" sz="1200" cap="none" spc="0" dirty="0">
-                        <a:solidFill>
-                          <a:schemeClr val="tx1"/>
-                        </a:solidFill>
-                      </a:endParaRPr>
-                    </a:p>
-                  </a:txBody>
-                  <a:tcPr marL="67757" marR="67757" marT="67757" marB="67757" anchor="ctr">
-                    <a:lnL w="12700" cmpd="sng">
-                      <a:noFill/>
-                      <a:prstDash val="solid"/>
-                    </a:lnL>
-                    <a:lnR w="12700" cmpd="sng">
-                      <a:noFill/>
-                      <a:prstDash val="solid"/>
-                    </a:lnR>
-                    <a:lnT w="12700" cmpd="sng">
-                      <a:noFill/>
-                      <a:prstDash val="solid"/>
-                    </a:lnT>
-                    <a:lnB w="12700" cmpd="sng">
-                      <a:noFill/>
-                      <a:prstDash val="solid"/>
-                    </a:lnB>
-                    <a:solidFill>
-                      <a:srgbClr val="F7F7F7"/>
                     </a:solidFill>
                   </a:tcPr>
                 </a:tc>
@@ -9624,211 +9076,6 @@
                       <a:noFill/>
                       <a:prstDash val="solid"/>
                     </a:lnT>
-                    <a:lnB w="12700" cmpd="sng">
-                      <a:noFill/>
-                      <a:prstDash val="solid"/>
-                    </a:lnB>
-                    <a:solidFill>
-                      <a:srgbClr val="F7F7F7"/>
-                    </a:solidFill>
-                  </a:tcPr>
-                </a:tc>
-                <a:tc>
-                  <a:txBody>
-                    <a:bodyPr/>
-                    <a:lstStyle/>
-                    <a:p>
-                      <a:pPr latinLnBrk="1"/>
-                      <a:r>
-                        <a:rPr lang="ko-KR" altLang="en-US" sz="1200" cap="none" spc="0" dirty="0">
-                          <a:solidFill>
-                            <a:schemeClr val="tx1"/>
-                          </a:solidFill>
-                        </a:rPr>
-                        <a:t>게임 저장 구현</a:t>
-                      </a:r>
-                      <a:r>
-                        <a:rPr lang="en-US" altLang="ko-KR" sz="1200" cap="none" spc="0" dirty="0">
-                          <a:solidFill>
-                            <a:schemeClr val="tx1"/>
-                          </a:solidFill>
-                        </a:rPr>
-                        <a:t>, </a:t>
-                      </a:r>
-                      <a:r>
-                        <a:rPr lang="ko-KR" altLang="en-US" sz="1200" cap="none" spc="0" dirty="0">
-                          <a:solidFill>
-                            <a:schemeClr val="tx1"/>
-                          </a:solidFill>
-                        </a:rPr>
-                        <a:t>시작 종료 화면</a:t>
-                      </a:r>
-                      <a:endParaRPr lang="ko-KR" altLang="en-US" sz="1400" dirty="0"/>
-                    </a:p>
-                  </a:txBody>
-                  <a:tcPr marL="67757" marR="67757" marT="67757" marB="67757" anchor="ctr">
-                    <a:lnL w="12700" cmpd="sng">
-                      <a:noFill/>
-                      <a:prstDash val="solid"/>
-                    </a:lnL>
-                    <a:lnR w="12700" cmpd="sng">
-                      <a:noFill/>
-                      <a:prstDash val="solid"/>
-                    </a:lnR>
-                    <a:lnT w="12700" cmpd="sng">
-                      <a:noFill/>
-                      <a:prstDash val="solid"/>
-                    </a:lnT>
-                    <a:lnB w="12700" cmpd="sng">
-                      <a:noFill/>
-                      <a:prstDash val="solid"/>
-                    </a:lnB>
-                    <a:solidFill>
-                      <a:srgbClr val="F7F7F7"/>
-                    </a:solidFill>
-                  </a:tcPr>
-                </a:tc>
-                <a:tc>
-                  <a:txBody>
-                    <a:bodyPr/>
-                    <a:lstStyle/>
-                    <a:p>
-                      <a:pPr algn="ctr" latinLnBrk="1"/>
-                      <a:endParaRPr lang="ko-KR" altLang="en-US" sz="1200" dirty="0"/>
-                    </a:p>
-                  </a:txBody>
-                  <a:tcPr marL="67757" marR="67757" marT="67757" marB="67757" anchor="ctr">
-                    <a:lnL w="12700" cmpd="sng">
-                      <a:noFill/>
-                      <a:prstDash val="solid"/>
-                    </a:lnL>
-                    <a:lnR w="12700" cmpd="sng">
-                      <a:noFill/>
-                      <a:prstDash val="solid"/>
-                    </a:lnR>
-                    <a:lnT w="12700" cmpd="sng">
-                      <a:noFill/>
-                      <a:prstDash val="solid"/>
-                    </a:lnT>
-                    <a:lnB w="12700" cmpd="sng">
-                      <a:noFill/>
-                      <a:prstDash val="solid"/>
-                    </a:lnB>
-                    <a:solidFill>
-                      <a:srgbClr val="F7F7F7"/>
-                    </a:solidFill>
-                  </a:tcPr>
-                </a:tc>
-                <a:extLst>
-                  <a:ext uri="{0D108BD9-81ED-4DB2-BD59-A6C34878D82A}">
-                    <a16:rowId xmlns:a16="http://schemas.microsoft.com/office/drawing/2014/main" val="1454106082"/>
-                  </a:ext>
-                </a:extLst>
-              </a:tr>
-              <a:tr h="307908">
-                <a:tc>
-                  <a:txBody>
-                    <a:bodyPr/>
-                    <a:lstStyle/>
-                    <a:p>
-                      <a:pPr algn="ctr" latinLnBrk="1"/>
-                      <a:r>
-                        <a:rPr lang="en-US" altLang="ko-KR" sz="1200" cap="none" spc="0" dirty="0">
-                          <a:solidFill>
-                            <a:schemeClr val="tx1"/>
-                          </a:solidFill>
-                        </a:rPr>
-                        <a:t>10</a:t>
-                      </a:r>
-                      <a:r>
-                        <a:rPr lang="ko-KR" altLang="en-US" sz="1200" cap="none" spc="0" dirty="0">
-                          <a:solidFill>
-                            <a:schemeClr val="tx1"/>
-                          </a:solidFill>
-                        </a:rPr>
-                        <a:t>주차</a:t>
-                      </a:r>
-                    </a:p>
-                  </a:txBody>
-                  <a:tcPr marL="67757" marR="67757" marT="67757" marB="67757" anchor="ctr">
-                    <a:lnL w="12700" cmpd="sng">
-                      <a:noFill/>
-                      <a:prstDash val="solid"/>
-                    </a:lnL>
-                    <a:lnR w="12700" cmpd="sng">
-                      <a:noFill/>
-                      <a:prstDash val="solid"/>
-                    </a:lnR>
-                    <a:lnT w="12700" cmpd="sng">
-                      <a:noFill/>
-                      <a:prstDash val="solid"/>
-                    </a:lnT>
-                    <a:lnB w="12700" cap="flat" cmpd="sng" algn="ctr">
-                      <a:solidFill>
-                        <a:schemeClr val="tx1">
-                          <a:lumMod val="50000"/>
-                          <a:lumOff val="50000"/>
-                        </a:schemeClr>
-                      </a:solidFill>
-                      <a:prstDash val="solid"/>
-                    </a:lnB>
-                    <a:solidFill>
-                      <a:schemeClr val="bg1">
-                        <a:lumMod val="85000"/>
-                      </a:schemeClr>
-                    </a:solidFill>
-                  </a:tcPr>
-                </a:tc>
-                <a:tc>
-                  <a:txBody>
-                    <a:bodyPr/>
-                    <a:lstStyle/>
-                    <a:p>
-                      <a:pPr marL="0" marR="0" lvl="0" indent="0" algn="ctr" defTabSz="914400" rtl="0" eaLnBrk="1" fontAlgn="auto" latinLnBrk="1" hangingPunct="1">
-                        <a:lnSpc>
-                          <a:spcPct val="100000"/>
-                        </a:lnSpc>
-                        <a:spcBef>
-                          <a:spcPts val="0"/>
-                        </a:spcBef>
-                        <a:spcAft>
-                          <a:spcPts val="0"/>
-                        </a:spcAft>
-                        <a:buClrTx/>
-                        <a:buSzTx/>
-                        <a:buFontTx/>
-                        <a:buNone/>
-                        <a:tabLst/>
-                        <a:defRPr/>
-                      </a:pPr>
-                      <a:r>
-                        <a:rPr lang="ko-KR" altLang="en-US" sz="1200" b="1" cap="none" spc="0">
-                          <a:solidFill>
-                            <a:schemeClr val="tx1"/>
-                          </a:solidFill>
-                        </a:rPr>
-                        <a:t>계획</a:t>
-                      </a:r>
-                      <a:endParaRPr lang="en-US" altLang="ko-KR" sz="1200" b="1" cap="none" spc="0" dirty="0">
-                        <a:solidFill>
-                          <a:schemeClr val="tx1"/>
-                        </a:solidFill>
-                      </a:endParaRPr>
-                    </a:p>
-                  </a:txBody>
-                  <a:tcPr marL="67757" marR="67757" marT="67757" marB="67757" anchor="ctr">
-                    <a:lnL w="12700" cmpd="sng">
-                      <a:noFill/>
-                      <a:prstDash val="solid"/>
-                    </a:lnL>
-                    <a:lnR w="12700" cmpd="sng">
-                      <a:noFill/>
-                      <a:prstDash val="solid"/>
-                    </a:lnR>
-                    <a:lnT w="12700" cmpd="sng">
-                      <a:noFill/>
-                      <a:prstDash val="solid"/>
-                    </a:lnT>
                     <a:lnB w="12700" cap="flat" cmpd="sng" algn="ctr">
                       <a:solidFill>
                         <a:schemeClr val="tx1">
@@ -9916,6 +9163,10 @@
                     <a:lstStyle/>
                     <a:p>
                       <a:pPr algn="ctr" latinLnBrk="1"/>
+                      <a:r>
+                        <a:rPr lang="en-US" altLang="ko-KR" sz="1200" dirty="0"/>
+                        <a:t>0</a:t>
+                      </a:r>
                       <a:endParaRPr lang="ko-KR" altLang="en-US" sz="1200" dirty="0"/>
                     </a:p>
                   </a:txBody>
